--- a/testing-minicourse.pptx
+++ b/testing-minicourse.pptx
@@ -5,10 +5,10 @@
     <p:sldMasterId id="2147483700" r:id="rId1"/>
   </p:sldMasterIdLst>
   <p:notesMasterIdLst>
-    <p:notesMasterId r:id="rId125"/>
+    <p:notesMasterId r:id="rId124"/>
   </p:notesMasterIdLst>
   <p:handoutMasterIdLst>
-    <p:handoutMasterId r:id="rId126"/>
+    <p:handoutMasterId r:id="rId125"/>
   </p:handoutMasterIdLst>
   <p:sldIdLst>
     <p:sldId id="256" r:id="rId2"/>
@@ -118,22 +118,21 @@
     <p:sldId id="408" r:id="rId106"/>
     <p:sldId id="409" r:id="rId107"/>
     <p:sldId id="410" r:id="rId108"/>
-    <p:sldId id="411" r:id="rId109"/>
-    <p:sldId id="412" r:id="rId110"/>
-    <p:sldId id="397" r:id="rId111"/>
-    <p:sldId id="336" r:id="rId112"/>
-    <p:sldId id="324" r:id="rId113"/>
-    <p:sldId id="329" r:id="rId114"/>
-    <p:sldId id="401" r:id="rId115"/>
-    <p:sldId id="404" r:id="rId116"/>
-    <p:sldId id="400" r:id="rId117"/>
-    <p:sldId id="402" r:id="rId118"/>
-    <p:sldId id="403" r:id="rId119"/>
-    <p:sldId id="330" r:id="rId120"/>
-    <p:sldId id="331" r:id="rId121"/>
-    <p:sldId id="332" r:id="rId122"/>
-    <p:sldId id="333" r:id="rId123"/>
-    <p:sldId id="334" r:id="rId124"/>
+    <p:sldId id="427" r:id="rId109"/>
+    <p:sldId id="397" r:id="rId110"/>
+    <p:sldId id="336" r:id="rId111"/>
+    <p:sldId id="324" r:id="rId112"/>
+    <p:sldId id="329" r:id="rId113"/>
+    <p:sldId id="401" r:id="rId114"/>
+    <p:sldId id="404" r:id="rId115"/>
+    <p:sldId id="400" r:id="rId116"/>
+    <p:sldId id="402" r:id="rId117"/>
+    <p:sldId id="403" r:id="rId118"/>
+    <p:sldId id="330" r:id="rId119"/>
+    <p:sldId id="331" r:id="rId120"/>
+    <p:sldId id="332" r:id="rId121"/>
+    <p:sldId id="333" r:id="rId122"/>
+    <p:sldId id="334" r:id="rId123"/>
   </p:sldIdLst>
   <p:sldSz cx="12192000" cy="6858000"/>
   <p:notesSz cx="7772400" cy="10058400"/>
@@ -317,7 +316,7 @@
           <a:p>
             <a:fld id="{68968EDA-F8C6-44E3-930E-3FEA8FAFB67E}" type="datetimeFigureOut">
               <a:rPr lang="en-US" smtClean="0"/>
-              <a:t>17-Feb-20</a:t>
+              <a:t>18-Feb-20</a:t>
             </a:fld>
             <a:endParaRPr lang="en-US"/>
           </a:p>
@@ -482,7 +481,7 @@
           <a:p>
             <a:fld id="{1D1CAD2C-8B99-45DC-98DC-0BEB43C75A54}" type="datetimeFigureOut">
               <a:rPr lang="en-US" smtClean="0"/>
-              <a:t>17-Feb-20</a:t>
+              <a:t>18-Feb-20</a:t>
             </a:fld>
             <a:endParaRPr lang="en-US"/>
           </a:p>
@@ -815,7 +814,7 @@
           <a:p>
             <a:fld id="{B0B2A606-7BC4-4AB6-AD90-ACA53C6D61E2}" type="slidenum">
               <a:rPr lang="en-US" smtClean="0"/>
-              <a:t>117</a:t>
+              <a:t>116</a:t>
             </a:fld>
             <a:endParaRPr lang="en-US"/>
           </a:p>
@@ -3629,7 +3628,23 @@
           <a:p>
             <a:r>
               <a:rPr lang="en-US" dirty="0"/>
-              <a:t>Detection of plugin conflicts in CMS</a:t>
+              <a:t>Detection of </a:t>
+            </a:r>
+            <a:r>
+              <a:rPr lang="en-US" dirty="0" smtClean="0"/>
+              <a:t>Plugin </a:t>
+            </a:r>
+            <a:r>
+              <a:rPr lang="en-US" dirty="0"/>
+              <a:t>C</a:t>
+            </a:r>
+            <a:r>
+              <a:rPr lang="en-US" dirty="0" smtClean="0"/>
+              <a:t>onflicts </a:t>
+            </a:r>
+            <a:r>
+              <a:rPr lang="en-US" dirty="0"/>
+              <a:t>in CMS</a:t>
             </a:r>
             <a:endParaRPr lang="pt-BR" dirty="0"/>
           </a:p>
@@ -3713,6 +3728,36 @@
           </a:p>
         </p:txBody>
       </p:sp>
+      <p:pic>
+        <p:nvPicPr>
+          <p:cNvPr id="5" name="Imagem 4"/>
+          <p:cNvPicPr>
+            <a:picLocks noChangeAspect="1"/>
+          </p:cNvPicPr>
+          <p:nvPr/>
+        </p:nvPicPr>
+        <p:blipFill>
+          <a:blip r:embed="rId2">
+            <a:extLst>
+              <a:ext uri="{28A0092B-C50C-407E-A947-70E740481C1C}">
+                <a14:useLocalDpi xmlns:a14="http://schemas.microsoft.com/office/drawing/2010/main" val="0"/>
+              </a:ext>
+            </a:extLst>
+          </a:blip>
+          <a:stretch>
+            <a:fillRect/>
+          </a:stretch>
+        </p:blipFill>
+        <p:spPr>
+          <a:xfrm>
+            <a:off x="869216" y="1927744"/>
+            <a:ext cx="10439400" cy="4854056"/>
+          </a:xfrm>
+          <a:prstGeom prst="rect">
+            <a:avLst/>
+          </a:prstGeom>
+        </p:spPr>
+      </p:pic>
     </p:spTree>
     <p:extLst>
       <p:ext uri="{BB962C8B-B14F-4D97-AF65-F5344CB8AC3E}">
@@ -3793,20 +3838,29 @@
             </a:r>
             <a:r>
               <a:rPr lang="pt-BR" dirty="0" err="1"/>
-              <a:t>reproduce</a:t>
+              <a:t>R</a:t>
+            </a:r>
+            <a:r>
+              <a:rPr lang="pt-BR" dirty="0" err="1" smtClean="0"/>
+              <a:t>eproduce</a:t>
+            </a:r>
+            <a:r>
+              <a:rPr lang="pt-BR" dirty="0" smtClean="0"/>
+              <a:t> </a:t>
+            </a:r>
+            <a:r>
+              <a:rPr lang="pt-BR" dirty="0" err="1"/>
+              <a:t>StackOverflow</a:t>
             </a:r>
             <a:r>
               <a:rPr lang="pt-BR" dirty="0"/>
               <a:t> </a:t>
             </a:r>
             <a:r>
-              <a:rPr lang="pt-BR" dirty="0" err="1"/>
-              <a:t>StackOverflow</a:t>
-            </a:r>
-            <a:r>
-              <a:rPr lang="pt-BR" dirty="0"/>
-              <a:t> posts</a:t>
-            </a:r>
+              <a:rPr lang="pt-BR" dirty="0" smtClean="0"/>
+              <a:t>Posts</a:t>
+            </a:r>
+            <a:endParaRPr lang="pt-BR" dirty="0"/>
           </a:p>
         </p:txBody>
       </p:sp>
@@ -3921,8 +3975,8 @@
         </p:blipFill>
         <p:spPr>
           <a:xfrm>
-            <a:off x="457200" y="1707292"/>
-            <a:ext cx="10058400" cy="4627914"/>
+            <a:off x="381000" y="1663047"/>
+            <a:ext cx="11125200" cy="5118753"/>
           </a:xfrm>
           <a:prstGeom prst="rect">
             <a:avLst/>
@@ -4009,7 +4063,7 @@
             </a:r>
             <a:r>
               <a:rPr lang="pt-BR" dirty="0" err="1"/>
-              <a:t>reproduce</a:t>
+              <a:t>Reproduce</a:t>
             </a:r>
             <a:r>
               <a:rPr lang="pt-BR" dirty="0"/>
@@ -4021,8 +4075,9 @@
             </a:r>
             <a:r>
               <a:rPr lang="pt-BR" dirty="0"/>
-              <a:t> posts</a:t>
-            </a:r>
+              <a:t> Posts</a:t>
+            </a:r>
+            <a:endParaRPr lang="pt-BR" dirty="0"/>
           </a:p>
         </p:txBody>
       </p:sp>
@@ -4243,53 +4298,6 @@
       </p:sp>
       <p:sp>
         <p:nvSpPr>
-          <p:cNvPr id="3" name="Espaço Reservado para Conteúdo 2"/>
-          <p:cNvSpPr>
-            <a:spLocks noGrp="1"/>
-          </p:cNvSpPr>
-          <p:nvPr>
-            <p:ph idx="4294967295"/>
-          </p:nvPr>
-        </p:nvSpPr>
-        <p:spPr>
-          <a:xfrm>
-            <a:off x="623392" y="2016224"/>
-            <a:ext cx="11809312" cy="5061181"/>
-          </a:xfrm>
-          <a:prstGeom prst="rect">
-            <a:avLst/>
-          </a:prstGeom>
-        </p:spPr>
-        <p:txBody>
-          <a:bodyPr lIns="121917" tIns="60958" rIns="121917" bIns="60958">
-            <a:normAutofit/>
-          </a:bodyPr>
-          <a:lstStyle/>
-          <a:p>
-            <a:pPr marL="285750" indent="-285750">
-              <a:buFont typeface="Arial" panose="020B0604020202020204" pitchFamily="34" charset="0"/>
-              <a:buChar char="•"/>
-            </a:pPr>
-            <a:r>
-              <a:rPr lang="pt-BR" sz="2400" dirty="0" smtClean="0">
-                <a:latin typeface="+mj-lt"/>
-              </a:rPr>
-              <a:t>..</a:t>
-            </a:r>
-            <a:endParaRPr lang="en-US" sz="2400" dirty="0">
-              <a:latin typeface="+mj-lt"/>
-            </a:endParaRPr>
-          </a:p>
-          <a:p>
-            <a:endParaRPr lang="pt-BR" dirty="0"/>
-          </a:p>
-          <a:p>
-            <a:endParaRPr lang="en-US" dirty="0" smtClean="0"/>
-          </a:p>
-        </p:txBody>
-      </p:sp>
-      <p:sp>
-        <p:nvSpPr>
           <p:cNvPr id="4" name="Retângulo 3"/>
           <p:cNvSpPr/>
           <p:nvPr/>
@@ -4325,6 +4333,88 @@
           </a:p>
         </p:txBody>
       </p:sp>
+      <p:pic>
+        <p:nvPicPr>
+          <p:cNvPr id="1026" name="Picture 2" descr="C:\Users\Marcelo\Downloads\OneDrive-2020-02-17\image 2.png"/>
+          <p:cNvPicPr>
+            <a:picLocks noChangeAspect="1" noChangeArrowheads="1"/>
+          </p:cNvPicPr>
+          <p:nvPr/>
+        </p:nvPicPr>
+        <p:blipFill>
+          <a:blip r:embed="rId2">
+            <a:extLst>
+              <a:ext uri="{28A0092B-C50C-407E-A947-70E740481C1C}">
+                <a14:useLocalDpi xmlns:a14="http://schemas.microsoft.com/office/drawing/2010/main" val="0"/>
+              </a:ext>
+            </a:extLst>
+          </a:blip>
+          <a:srcRect/>
+          <a:stretch>
+            <a:fillRect/>
+          </a:stretch>
+        </p:blipFill>
+        <p:spPr bwMode="auto">
+          <a:xfrm>
+            <a:off x="71953" y="2209800"/>
+            <a:ext cx="5925185" cy="4133850"/>
+          </a:xfrm>
+          <a:prstGeom prst="rect">
+            <a:avLst/>
+          </a:prstGeom>
+          <a:noFill/>
+          <a:extLst>
+            <a:ext uri="{909E8E84-426E-40DD-AFC4-6F175D3DCCD1}">
+              <a14:hiddenFill xmlns:a14="http://schemas.microsoft.com/office/drawing/2010/main">
+                <a:solidFill>
+                  <a:srgbClr val="FFFFFF"/>
+                </a:solidFill>
+              </a14:hiddenFill>
+            </a:ext>
+          </a:extLst>
+        </p:spPr>
+      </p:pic>
+      <p:pic>
+        <p:nvPicPr>
+          <p:cNvPr id="1027" name="Picture 3" descr="C:\Users\Marcelo\Downloads\OneDrive-2020-02-17\image 1.png"/>
+          <p:cNvPicPr>
+            <a:picLocks noChangeAspect="1" noChangeArrowheads="1"/>
+          </p:cNvPicPr>
+          <p:nvPr/>
+        </p:nvPicPr>
+        <p:blipFill>
+          <a:blip r:embed="rId3">
+            <a:extLst>
+              <a:ext uri="{28A0092B-C50C-407E-A947-70E740481C1C}">
+                <a14:useLocalDpi xmlns:a14="http://schemas.microsoft.com/office/drawing/2010/main" val="0"/>
+              </a:ext>
+            </a:extLst>
+          </a:blip>
+          <a:srcRect/>
+          <a:stretch>
+            <a:fillRect/>
+          </a:stretch>
+        </p:blipFill>
+        <p:spPr bwMode="auto">
+          <a:xfrm>
+            <a:off x="5890054" y="2119185"/>
+            <a:ext cx="6096000" cy="4107817"/>
+          </a:xfrm>
+          <a:prstGeom prst="rect">
+            <a:avLst/>
+          </a:prstGeom>
+          <a:noFill/>
+          <a:extLst>
+            <a:ext uri="{909E8E84-426E-40DD-AFC4-6F175D3DCCD1}">
+              <a14:hiddenFill xmlns:a14="http://schemas.microsoft.com/office/drawing/2010/main">
+                <a:solidFill>
+                  <a:srgbClr val="FFFFFF"/>
+                </a:solidFill>
+              </a14:hiddenFill>
+            </a:ext>
+          </a:extLst>
+        </p:spPr>
+      </p:pic>
     </p:spTree>
     <p:extLst>
       <p:ext uri="{BB962C8B-B14F-4D97-AF65-F5344CB8AC3E}">
@@ -4382,8 +4472,37 @@
             <a:pPr marL="285750" indent="-285750"/>
             <a:r>
               <a:rPr lang="en-US" dirty="0"/>
-              <a:t>Test diversity to find bugs in JavaScript engines</a:t>
-            </a:r>
+              <a:t>Test </a:t>
+            </a:r>
+            <a:r>
+              <a:rPr lang="en-US" dirty="0" smtClean="0"/>
+              <a:t>Diversity </a:t>
+            </a:r>
+            <a:r>
+              <a:rPr lang="en-US" dirty="0"/>
+              <a:t>to </a:t>
+            </a:r>
+            <a:r>
+              <a:rPr lang="en-US" dirty="0" smtClean="0"/>
+              <a:t>Find </a:t>
+            </a:r>
+            <a:r>
+              <a:rPr lang="en-US" dirty="0"/>
+              <a:t>B</a:t>
+            </a:r>
+            <a:r>
+              <a:rPr lang="en-US" dirty="0" smtClean="0"/>
+              <a:t>ugs </a:t>
+            </a:r>
+            <a:r>
+              <a:rPr lang="en-US" dirty="0"/>
+              <a:t>in JavaScript </a:t>
+            </a:r>
+            <a:r>
+              <a:rPr lang="en-US" dirty="0" smtClean="0"/>
+              <a:t>Engines</a:t>
+            </a:r>
+            <a:endParaRPr lang="en-US" dirty="0"/>
           </a:p>
         </p:txBody>
       </p:sp>
@@ -4475,7 +4594,7 @@
         <p:spPr>
           <a:xfrm>
             <a:off x="775792" y="2168624"/>
-            <a:ext cx="11809312" cy="5061181"/>
+            <a:ext cx="10578008" cy="5061181"/>
           </a:xfrm>
           <a:prstGeom prst="rect">
             <a:avLst/>
@@ -4492,15 +4611,68 @@
               <a:buChar char="•"/>
             </a:pPr>
             <a:r>
-              <a:rPr lang="pt-BR" sz="2400" kern="0" smtClean="0">
+              <a:rPr lang="en-US" sz="2800" kern="0" dirty="0" smtClean="0">
                 <a:solidFill>
                   <a:sysClr val="windowText" lastClr="000000"/>
                 </a:solidFill>
                 <a:latin typeface="+mj-lt"/>
               </a:rPr>
-              <a:t>..</a:t>
-            </a:r>
-            <a:endParaRPr lang="en-US" sz="2400" kern="0" smtClean="0">
+              <a:t>Two techniques:</a:t>
+            </a:r>
+          </a:p>
+          <a:p>
+            <a:pPr marL="742950" lvl="1" indent="-285750">
+              <a:buFont typeface="Arial" panose="020B0604020202020204" pitchFamily="34" charset="0"/>
+              <a:buChar char="•"/>
+            </a:pPr>
+            <a:r>
+              <a:rPr lang="en-US" sz="2800" kern="0" dirty="0" smtClean="0">
+                <a:solidFill>
+                  <a:sysClr val="windowText" lastClr="000000"/>
+                </a:solidFill>
+                <a:latin typeface="+mj-lt"/>
+              </a:rPr>
+              <a:t>Transplantation</a:t>
+            </a:r>
+            <a:r>
+              <a:rPr lang="en-US" sz="2800" kern="0" dirty="0" smtClean="0">
+                <a:solidFill>
+                  <a:sysClr val="windowText" lastClr="000000"/>
+                </a:solidFill>
+              </a:rPr>
+              <a:t>—</a:t>
+            </a:r>
+            <a:r>
+              <a:rPr lang="en-US" sz="2800" kern="0" dirty="0" smtClean="0">
+                <a:solidFill>
+                  <a:sysClr val="windowText" lastClr="000000"/>
+                </a:solidFill>
+                <a:latin typeface="+mj-lt"/>
+              </a:rPr>
+              <a:t>Used tests from one engine into another</a:t>
+            </a:r>
+          </a:p>
+          <a:p>
+            <a:pPr marL="742950" lvl="1" indent="-285750">
+              <a:buFont typeface="Arial" panose="020B0604020202020204" pitchFamily="34" charset="0"/>
+              <a:buChar char="•"/>
+            </a:pPr>
+            <a:r>
+              <a:rPr lang="en-US" sz="2800" kern="0" dirty="0" smtClean="0">
+                <a:solidFill>
+                  <a:sysClr val="windowText" lastClr="000000"/>
+                </a:solidFill>
+                <a:latin typeface="+mj-lt"/>
+              </a:rPr>
+              <a:t>Differential testing—Generated JS inputs and run them on multiple engines</a:t>
+            </a:r>
+          </a:p>
+          <a:p>
+            <a:pPr marL="742950" lvl="1" indent="-285750">
+              <a:buFont typeface="Arial" panose="020B0604020202020204" pitchFamily="34" charset="0"/>
+              <a:buChar char="•"/>
+            </a:pPr>
+            <a:endParaRPr lang="en-US" sz="2800" kern="0" dirty="0">
               <a:solidFill>
                 <a:sysClr val="windowText" lastClr="000000"/>
               </a:solidFill>
@@ -4508,7 +4680,28 @@
             </a:endParaRPr>
           </a:p>
           <a:p>
-            <a:endParaRPr lang="pt-BR" kern="0" smtClean="0">
+            <a:pPr marL="285750" indent="-285750">
+              <a:buFont typeface="Arial" panose="020B0604020202020204" pitchFamily="34" charset="0"/>
+              <a:buChar char="•"/>
+            </a:pPr>
+            <a:r>
+              <a:rPr lang="en-US" sz="2800" kern="0" dirty="0" smtClean="0">
+                <a:solidFill>
+                  <a:sysClr val="windowText" lastClr="000000"/>
+                </a:solidFill>
+                <a:latin typeface="+mj-lt"/>
+              </a:rPr>
+              <a:t>Found over 50 bugs across 4 main JS engines</a:t>
+            </a:r>
+            <a:endParaRPr lang="en-US" sz="2800" kern="0" dirty="0" smtClean="0">
+              <a:solidFill>
+                <a:sysClr val="windowText" lastClr="000000"/>
+              </a:solidFill>
+              <a:latin typeface="+mj-lt"/>
+            </a:endParaRPr>
+          </a:p>
+          <a:p>
+            <a:endParaRPr lang="pt-BR" kern="0" dirty="0" smtClean="0">
               <a:solidFill>
                 <a:sysClr val="windowText" lastClr="000000"/>
               </a:solidFill>
@@ -4674,7 +4867,7 @@
         <p:spPr>
           <a:xfrm>
             <a:off x="775792" y="2168624"/>
-            <a:ext cx="11809312" cy="5061181"/>
+            <a:ext cx="10273208" cy="5061181"/>
           </a:xfrm>
           <a:prstGeom prst="rect">
             <a:avLst/>
@@ -4691,15 +4884,24 @@
               <a:buChar char="•"/>
             </a:pPr>
             <a:r>
-              <a:rPr lang="pt-BR" sz="2400" kern="0" smtClean="0">
+              <a:rPr lang="en-US" sz="2800" kern="0" dirty="0" smtClean="0">
                 <a:solidFill>
                   <a:sysClr val="windowText" lastClr="000000"/>
                 </a:solidFill>
                 <a:latin typeface="+mj-lt"/>
               </a:rPr>
-              <a:t>..</a:t>
-            </a:r>
-            <a:endParaRPr lang="en-US" sz="2400" kern="0" smtClean="0">
+              <a:t>Flaky tests are tests that non-deterministically pass/fail based on the environment. E.g., tests with </a:t>
+            </a:r>
+            <a:r>
+              <a:rPr lang="en-US" sz="2800" kern="0" dirty="0" err="1" smtClean="0">
+                <a:solidFill>
+                  <a:sysClr val="windowText" lastClr="000000"/>
+                </a:solidFill>
+                <a:latin typeface="+mj-lt"/>
+              </a:rPr>
+              <a:t>Thread.sleep</a:t>
+            </a:r>
+            <a:endParaRPr lang="en-US" sz="2800" kern="0" dirty="0" smtClean="0">
               <a:solidFill>
                 <a:sysClr val="windowText" lastClr="000000"/>
               </a:solidFill>
@@ -4707,7 +4909,55 @@
             </a:endParaRPr>
           </a:p>
           <a:p>
-            <a:endParaRPr lang="pt-BR" kern="0" smtClean="0">
+            <a:pPr marL="742950" lvl="1" indent="-285750">
+              <a:buFont typeface="Arial" panose="020B0604020202020204" pitchFamily="34" charset="0"/>
+              <a:buChar char="•"/>
+            </a:pPr>
+            <a:r>
+              <a:rPr lang="en-US" sz="2800" kern="0" dirty="0" smtClean="0">
+                <a:solidFill>
+                  <a:sysClr val="windowText" lastClr="000000"/>
+                </a:solidFill>
+                <a:latin typeface="+mj-lt"/>
+              </a:rPr>
+              <a:t>Very common and problematic</a:t>
+            </a:r>
+          </a:p>
+          <a:p>
+            <a:pPr marL="742950" lvl="1" indent="-285750">
+              <a:buFont typeface="Arial" panose="020B0604020202020204" pitchFamily="34" charset="0"/>
+              <a:buChar char="•"/>
+            </a:pPr>
+            <a:endParaRPr lang="en-US" sz="2800" kern="0" dirty="0">
+              <a:solidFill>
+                <a:sysClr val="windowText" lastClr="000000"/>
+              </a:solidFill>
+              <a:latin typeface="+mj-lt"/>
+            </a:endParaRPr>
+          </a:p>
+          <a:p>
+            <a:pPr marL="285750" indent="-285750">
+              <a:buFont typeface="Arial" panose="020B0604020202020204" pitchFamily="34" charset="0"/>
+              <a:buChar char="•"/>
+            </a:pPr>
+            <a:r>
+              <a:rPr lang="en-US" sz="2800" kern="0" dirty="0" smtClean="0">
+                <a:solidFill>
+                  <a:sysClr val="windowText" lastClr="000000"/>
+                </a:solidFill>
+                <a:latin typeface="+mj-lt"/>
+              </a:rPr>
+              <a:t>Approach: use ML to learn patterns from large base of previously found flaky tests</a:t>
+            </a:r>
+            <a:endParaRPr lang="en-US" sz="2800" kern="0" dirty="0" smtClean="0">
+              <a:solidFill>
+                <a:sysClr val="windowText" lastClr="000000"/>
+              </a:solidFill>
+              <a:latin typeface="+mj-lt"/>
+            </a:endParaRPr>
+          </a:p>
+          <a:p>
+            <a:endParaRPr lang="pt-BR" kern="0" dirty="0" smtClean="0">
               <a:solidFill>
                 <a:sysClr val="windowText" lastClr="000000"/>
               </a:solidFill>
@@ -4993,60 +5243,19 @@
             <p:ph type="title"/>
           </p:nvPr>
         </p:nvSpPr>
-        <p:spPr>
-          <a:xfrm>
-            <a:off x="228600" y="273600"/>
-            <a:ext cx="11658600" cy="1144800"/>
-          </a:xfrm>
-        </p:spPr>
+        <p:spPr/>
         <p:txBody>
           <a:bodyPr>
-            <a:noAutofit/>
+            <a:normAutofit/>
           </a:bodyPr>
           <a:lstStyle/>
           <a:p>
-            <a:pPr algn="ctr"/>
-            <a:r>
-              <a:rPr lang="pt-BR" dirty="0" err="1"/>
-              <a:t>Synthesis</a:t>
-            </a:r>
-            <a:r>
-              <a:rPr lang="pt-BR" dirty="0"/>
-              <a:t> </a:t>
-            </a:r>
-            <a:r>
-              <a:rPr lang="pt-BR" dirty="0" err="1"/>
-              <a:t>of</a:t>
-            </a:r>
-            <a:r>
-              <a:rPr lang="pt-BR" dirty="0"/>
-              <a:t> </a:t>
-            </a:r>
-            <a:r>
-              <a:rPr lang="pt-BR" dirty="0" err="1"/>
-              <a:t>Rules</a:t>
-            </a:r>
-            <a:r>
-              <a:rPr lang="pt-BR" dirty="0"/>
-              <a:t> for </a:t>
-            </a:r>
-            <a:r>
-              <a:rPr lang="pt-BR" dirty="0" smtClean="0"/>
-              <a:t>Network </a:t>
-            </a:r>
-            <a:r>
-              <a:rPr lang="pt-BR" dirty="0" err="1" smtClean="0"/>
-              <a:t>Intrusion</a:t>
-            </a:r>
-            <a:r>
-              <a:rPr lang="pt-BR" dirty="0" smtClean="0"/>
-              <a:t> </a:t>
-            </a:r>
-            <a:r>
-              <a:rPr lang="pt-BR" dirty="0" err="1" smtClean="0"/>
-              <a:t>Detectors</a:t>
-            </a:r>
-            <a:endParaRPr lang="pt-BR" dirty="0"/>
+            <a:pPr marL="285750" indent="-285750"/>
+            <a:r>
+              <a:rPr lang="en-US" dirty="0" smtClean="0"/>
+              <a:t>Other projects</a:t>
+            </a:r>
+            <a:endParaRPr lang="en-US" dirty="0"/>
           </a:p>
         </p:txBody>
       </p:sp>
@@ -5092,8 +5301,8 @@
         </p:nvSpPr>
         <p:spPr>
           <a:xfrm>
-            <a:off x="775792" y="2168624"/>
-            <a:ext cx="11809312" cy="5061181"/>
+            <a:off x="609600" y="1600201"/>
+            <a:ext cx="10972800" cy="4876800"/>
           </a:xfrm>
           <a:prstGeom prst="rect">
             <a:avLst/>
@@ -5110,23 +5319,47 @@
               <a:buChar char="•"/>
             </a:pPr>
             <a:r>
-              <a:rPr lang="pt-BR" sz="2400" kern="0" smtClean="0">
+              <a:rPr lang="en-US" sz="2800" kern="0" dirty="0" smtClean="0">
                 <a:solidFill>
                   <a:sysClr val="windowText" lastClr="000000"/>
                 </a:solidFill>
                 <a:latin typeface="+mj-lt"/>
               </a:rPr>
-              <a:t>..</a:t>
-            </a:r>
-            <a:endParaRPr lang="en-US" sz="2400" kern="0" smtClean="0">
-              <a:solidFill>
-                <a:sysClr val="windowText" lastClr="000000"/>
-              </a:solidFill>
-              <a:latin typeface="+mj-lt"/>
-            </a:endParaRPr>
-          </a:p>
-          <a:p>
-            <a:endParaRPr lang="pt-BR" kern="0" smtClean="0">
+              <a:t>Synthesis of Network Intrusion Detection Rules</a:t>
+            </a:r>
+          </a:p>
+          <a:p>
+            <a:pPr marL="285750" indent="-285750">
+              <a:buFont typeface="Arial" panose="020B0604020202020204" pitchFamily="34" charset="0"/>
+              <a:buChar char="•"/>
+            </a:pPr>
+            <a:r>
+              <a:rPr lang="en-US" sz="2800" kern="0" dirty="0" smtClean="0">
+                <a:solidFill>
+                  <a:sysClr val="windowText" lastClr="000000"/>
+                </a:solidFill>
+                <a:latin typeface="+mj-lt"/>
+              </a:rPr>
+              <a:t>Grey-box Combinatorial Interaction Testing</a:t>
+            </a:r>
+          </a:p>
+          <a:p>
+            <a:pPr marL="285750" indent="-285750">
+              <a:buFont typeface="Arial" panose="020B0604020202020204" pitchFamily="34" charset="0"/>
+              <a:buChar char="•"/>
+            </a:pPr>
+            <a:r>
+              <a:rPr lang="en-US" sz="2800" kern="0" dirty="0" smtClean="0">
+                <a:solidFill>
+                  <a:sysClr val="windowText" lastClr="000000"/>
+                </a:solidFill>
+                <a:latin typeface="+mj-lt"/>
+              </a:rPr>
+              <a:t>Black-box Differential Generation of Adversarial Inputs for ML Classifiers</a:t>
+            </a:r>
+          </a:p>
+          <a:p>
+            <a:endParaRPr lang="pt-BR" kern="0" dirty="0" smtClean="0">
               <a:solidFill>
                 <a:sysClr val="windowText" lastClr="000000"/>
               </a:solidFill>
@@ -5144,7 +5377,7 @@
     </p:spTree>
     <p:extLst>
       <p:ext uri="{BB962C8B-B14F-4D97-AF65-F5344CB8AC3E}">
-        <p14:creationId xmlns:p14="http://schemas.microsoft.com/office/powerpoint/2010/main" val="2996695762"/>
+        <p14:creationId xmlns:p14="http://schemas.microsoft.com/office/powerpoint/2010/main" val="1135540797"/>
       </p:ext>
     </p:extLst>
   </p:cSld>
@@ -5180,146 +5413,294 @@
       </p:grpSpPr>
       <p:sp>
         <p:nvSpPr>
-          <p:cNvPr id="2" name="Título 1"/>
-          <p:cNvSpPr>
-            <a:spLocks noGrp="1"/>
-          </p:cNvSpPr>
-          <p:nvPr>
-            <p:ph type="title"/>
-          </p:nvPr>
+          <p:cNvPr id="240" name="TextShape 1"/>
+          <p:cNvSpPr txBox="1"/>
+          <p:nvPr/>
         </p:nvSpPr>
         <p:spPr>
           <a:xfrm>
-            <a:off x="228600" y="273600"/>
-            <a:ext cx="11658600" cy="1144800"/>
-          </a:xfrm>
+            <a:off x="1523880" y="1122480"/>
+            <a:ext cx="9143640" cy="2387160"/>
+          </a:xfrm>
+          <a:prstGeom prst="rect">
+            <a:avLst/>
+          </a:prstGeom>
+          <a:noFill/>
+          <a:ln>
+            <a:noFill/>
+          </a:ln>
         </p:spPr>
         <p:txBody>
-          <a:bodyPr>
-            <a:noAutofit/>
-          </a:bodyPr>
+          <a:bodyPr anchor="b"/>
           <a:lstStyle/>
           <a:p>
-            <a:pPr algn="ctr"/>
-            <a:r>
-              <a:rPr lang="pt-BR" dirty="0" err="1"/>
-              <a:t>Grey</a:t>
-            </a:r>
-            <a:r>
-              <a:rPr lang="pt-BR" dirty="0"/>
-              <a:t>-box </a:t>
-            </a:r>
-            <a:r>
-              <a:rPr lang="pt-BR" dirty="0" err="1"/>
-              <a:t>Combinatorial</a:t>
-            </a:r>
-            <a:r>
-              <a:rPr lang="pt-BR" dirty="0"/>
-              <a:t> </a:t>
-            </a:r>
-            <a:r>
-              <a:rPr lang="pt-BR" dirty="0" err="1"/>
-              <a:t>Interaction</a:t>
-            </a:r>
-            <a:r>
-              <a:rPr lang="pt-BR" dirty="0"/>
-              <a:t> </a:t>
-            </a:r>
-            <a:r>
-              <a:rPr lang="pt-BR" dirty="0" err="1"/>
-              <a:t>Testing</a:t>
-            </a:r>
-            <a:endParaRPr lang="pt-BR" dirty="0"/>
+            <a:pPr algn="ctr">
+              <a:lnSpc>
+                <a:spcPct val="90000"/>
+              </a:lnSpc>
+            </a:pPr>
+            <a:r>
+              <a:rPr lang="en-US" sz="6000" b="0" strike="noStrike" spc="-1">
+                <a:solidFill>
+                  <a:srgbClr val="000000"/>
+                </a:solidFill>
+                <a:latin typeface="Calibri Light"/>
+              </a:rPr>
+              <a:t>Software Testing:</a:t>
+            </a:r>
+            <a:r>
+              <a:t/>
+            </a:r>
+            <a:br/>
+            <a:r>
+              <a:rPr lang="en-US" sz="6000" b="0" strike="noStrike" spc="-1">
+                <a:solidFill>
+                  <a:srgbClr val="000000"/>
+                </a:solidFill>
+                <a:latin typeface="Calibri Light"/>
+              </a:rPr>
+              <a:t>From Practice to Research</a:t>
+            </a:r>
+            <a:endParaRPr lang="en-US" sz="6000" b="0" strike="noStrike" spc="-1">
+              <a:solidFill>
+                <a:srgbClr val="000000"/>
+              </a:solidFill>
+              <a:latin typeface="Calibri"/>
+            </a:endParaRPr>
           </a:p>
         </p:txBody>
       </p:sp>
       <p:sp>
         <p:nvSpPr>
-          <p:cNvPr id="3" name="Espaço Reservado para Conteúdo 2"/>
-          <p:cNvSpPr>
-            <a:spLocks noGrp="1"/>
-          </p:cNvSpPr>
-          <p:nvPr>
-            <p:ph idx="4294967295"/>
-          </p:nvPr>
+          <p:cNvPr id="241" name="TextShape 2"/>
+          <p:cNvSpPr txBox="1"/>
+          <p:nvPr/>
         </p:nvSpPr>
         <p:spPr>
           <a:xfrm>
-            <a:off x="623392" y="2016224"/>
-            <a:ext cx="11809312" cy="5061181"/>
+            <a:off x="1523880" y="4258800"/>
+            <a:ext cx="9143640" cy="1655280"/>
           </a:xfrm>
           <a:prstGeom prst="rect">
             <a:avLst/>
           </a:prstGeom>
+          <a:noFill/>
+          <a:ln>
+            <a:noFill/>
+          </a:ln>
         </p:spPr>
         <p:txBody>
-          <a:bodyPr lIns="121917" tIns="60958" rIns="121917" bIns="60958">
+          <a:bodyPr>
             <a:normAutofit/>
           </a:bodyPr>
           <a:lstStyle/>
           <a:p>
-            <a:endParaRPr lang="pt-BR" dirty="0"/>
-          </a:p>
-          <a:p>
-            <a:endParaRPr lang="en-US" dirty="0" smtClean="0"/>
+            <a:pPr algn="ctr">
+              <a:lnSpc>
+                <a:spcPct val="90000"/>
+              </a:lnSpc>
+              <a:spcBef>
+                <a:spcPts val="1001"/>
+              </a:spcBef>
+            </a:pPr>
+            <a:r>
+              <a:rPr lang="en-US" sz="3200" b="0" strike="noStrike" spc="-1" dirty="0">
+                <a:solidFill>
+                  <a:srgbClr val="000000"/>
+                </a:solidFill>
+                <a:latin typeface="Calibri"/>
+              </a:rPr>
+              <a:t>Marcelo </a:t>
+            </a:r>
+            <a:r>
+              <a:rPr lang="en-US" sz="3200" b="0" strike="noStrike" spc="-1" dirty="0" err="1" smtClean="0">
+                <a:solidFill>
+                  <a:srgbClr val="000000"/>
+                </a:solidFill>
+                <a:latin typeface="Calibri"/>
+              </a:rPr>
+              <a:t>d'Amorim</a:t>
+            </a:r>
+            <a:endParaRPr lang="en-US" sz="3200" b="0" strike="noStrike" spc="-1" dirty="0" smtClean="0">
+              <a:solidFill>
+                <a:srgbClr val="000000"/>
+              </a:solidFill>
+              <a:latin typeface="Calibri"/>
+            </a:endParaRPr>
+          </a:p>
+          <a:p>
+            <a:pPr algn="ctr">
+              <a:lnSpc>
+                <a:spcPct val="90000"/>
+              </a:lnSpc>
+              <a:spcBef>
+                <a:spcPts val="1001"/>
+              </a:spcBef>
+            </a:pPr>
+            <a:r>
+              <a:rPr lang="en-US" sz="3200" spc="-1" dirty="0" smtClean="0">
+                <a:solidFill>
+                  <a:srgbClr val="000000"/>
+                </a:solidFill>
+                <a:latin typeface="Calibri"/>
+              </a:rPr>
+              <a:t>damorim@cin.ufpe.br</a:t>
+            </a:r>
+            <a:endParaRPr lang="en-US" sz="3200" b="0" strike="noStrike" spc="-1" dirty="0">
+              <a:latin typeface="Arial"/>
+            </a:endParaRPr>
           </a:p>
         </p:txBody>
       </p:sp>
       <p:sp>
         <p:nvSpPr>
-          <p:cNvPr id="5" name="Espaço Reservado para Conteúdo 2"/>
-          <p:cNvSpPr txBox="1">
-            <a:spLocks/>
-          </p:cNvSpPr>
+          <p:cNvPr id="242" name="CustomShape 3"/>
+          <p:cNvSpPr/>
           <p:nvPr/>
         </p:nvSpPr>
         <p:spPr>
           <a:xfrm>
-            <a:off x="775792" y="2168624"/>
-            <a:ext cx="11809312" cy="5061181"/>
+            <a:off x="3733200" y="6316560"/>
+            <a:ext cx="5109480" cy="366120"/>
           </a:xfrm>
           <a:prstGeom prst="rect">
             <a:avLst/>
           </a:prstGeom>
-        </p:spPr>
+          <a:noFill/>
+          <a:ln>
+            <a:noFill/>
+          </a:ln>
+        </p:spPr>
+        <p:style>
+          <a:lnRef idx="0">
+            <a:scrgbClr r="0" g="0" b="0"/>
+          </a:lnRef>
+          <a:fillRef idx="0">
+            <a:scrgbClr r="0" g="0" b="0"/>
+          </a:fillRef>
+          <a:effectRef idx="0">
+            <a:scrgbClr r="0" g="0" b="0"/>
+          </a:effectRef>
+          <a:fontRef idx="minor"/>
+        </p:style>
         <p:txBody>
-          <a:bodyPr lIns="121917" tIns="60958" rIns="121917" bIns="60958">
-            <a:normAutofit/>
-          </a:bodyPr>
+          <a:bodyPr/>
           <a:lstStyle/>
           <a:p>
-            <a:pPr marL="285750" indent="-285750">
-              <a:buFont typeface="Arial" panose="020B0604020202020204" pitchFamily="34" charset="0"/>
-              <a:buChar char="•"/>
-            </a:pPr>
-            <a:r>
-              <a:rPr lang="pt-BR" sz="2400" kern="0" smtClean="0">
-                <a:solidFill>
-                  <a:sysClr val="windowText" lastClr="000000"/>
-                </a:solidFill>
-                <a:latin typeface="+mj-lt"/>
-              </a:rPr>
-              <a:t>..</a:t>
-            </a:r>
-            <a:endParaRPr lang="en-US" sz="2400" kern="0" smtClean="0">
-              <a:solidFill>
-                <a:sysClr val="windowText" lastClr="000000"/>
-              </a:solidFill>
-              <a:latin typeface="+mj-lt"/>
-            </a:endParaRPr>
-          </a:p>
-          <a:p>
-            <a:endParaRPr lang="pt-BR" kern="0" smtClean="0">
-              <a:solidFill>
-                <a:sysClr val="windowText" lastClr="000000"/>
-              </a:solidFill>
-            </a:endParaRPr>
-          </a:p>
-          <a:p>
-            <a:endParaRPr lang="en-US" kern="0" dirty="0" smtClean="0">
-              <a:solidFill>
-                <a:sysClr val="windowText" lastClr="000000"/>
-              </a:solidFill>
+            <a:pPr algn="ctr">
+              <a:lnSpc>
+                <a:spcPct val="100000"/>
+              </a:lnSpc>
+            </a:pPr>
+            <a:r>
+              <a:rPr lang="en-US" sz="1800" b="0" strike="noStrike" spc="-1" dirty="0" smtClean="0">
+                <a:solidFill>
+                  <a:srgbClr val="000000"/>
+                </a:solidFill>
+                <a:latin typeface="Calibri"/>
+              </a:rPr>
+              <a:t>Rio </a:t>
+            </a:r>
+            <a:r>
+              <a:rPr lang="en-US" sz="1800" b="0" strike="noStrike" spc="-1" dirty="0">
+                <a:solidFill>
+                  <a:srgbClr val="000000"/>
+                </a:solidFill>
+                <a:latin typeface="Calibri"/>
+              </a:rPr>
+              <a:t>Cuarto, </a:t>
+            </a:r>
+            <a:r>
+              <a:rPr lang="en-US" sz="1800" b="0" strike="noStrike" spc="-1" dirty="0" smtClean="0">
+                <a:solidFill>
+                  <a:srgbClr val="000000"/>
+                </a:solidFill>
+                <a:latin typeface="Calibri"/>
+              </a:rPr>
+              <a:t>Argentina, February 2020</a:t>
+            </a:r>
+            <a:endParaRPr lang="en-US" sz="1800" b="0" strike="noStrike" spc="-1" dirty="0">
+              <a:latin typeface="Arial"/>
+            </a:endParaRPr>
+          </a:p>
+        </p:txBody>
+      </p:sp>
+      <p:pic>
+        <p:nvPicPr>
+          <p:cNvPr id="243" name="Picture 2"/>
+          <p:cNvPicPr/>
+          <p:nvPr/>
+        </p:nvPicPr>
+        <p:blipFill>
+          <a:blip r:embed="rId2"/>
+          <a:stretch/>
+        </p:blipFill>
+        <p:spPr>
+          <a:xfrm>
+            <a:off x="-71640" y="5724720"/>
+            <a:ext cx="2239920" cy="1183320"/>
+          </a:xfrm>
+          <a:prstGeom prst="rect">
+            <a:avLst/>
+          </a:prstGeom>
+          <a:ln>
+            <a:noFill/>
+          </a:ln>
+        </p:spPr>
+      </p:pic>
+      <p:sp>
+        <p:nvSpPr>
+          <p:cNvPr id="244" name="CustomShape 4"/>
+          <p:cNvSpPr/>
+          <p:nvPr/>
+        </p:nvSpPr>
+        <p:spPr>
+          <a:xfrm>
+            <a:off x="9808920" y="6324120"/>
+            <a:ext cx="2366640" cy="364680"/>
+          </a:xfrm>
+          <a:prstGeom prst="rect">
+            <a:avLst/>
+          </a:prstGeom>
+          <a:noFill/>
+          <a:ln>
+            <a:noFill/>
+          </a:ln>
+        </p:spPr>
+        <p:style>
+          <a:lnRef idx="0">
+            <a:scrgbClr r="0" g="0" b="0"/>
+          </a:lnRef>
+          <a:fillRef idx="0">
+            <a:scrgbClr r="0" g="0" b="0"/>
+          </a:fillRef>
+          <a:effectRef idx="0">
+            <a:scrgbClr r="0" g="0" b="0"/>
+          </a:effectRef>
+          <a:fontRef idx="minor"/>
+        </p:style>
+        <p:txBody>
+          <a:bodyPr wrap="none" lIns="90000" tIns="45000" rIns="90000" bIns="45000"/>
+          <a:lstStyle/>
+          <a:p>
+            <a:pPr>
+              <a:lnSpc>
+                <a:spcPct val="100000"/>
+              </a:lnSpc>
+            </a:pPr>
+            <a:r>
+              <a:rPr lang="en-US" sz="1800" b="0" u="sng" strike="noStrike" spc="-1">
+                <a:solidFill>
+                  <a:srgbClr val="0563C1"/>
+                </a:solidFill>
+                <a:uFillTx/>
+                <a:latin typeface="Calibri"/>
+                <a:hlinkClick r:id="rId3"/>
+              </a:rPr>
+              <a:t>https://star.cin.ufpe.br/</a:t>
+            </a:r>
+            <a:endParaRPr lang="en-US" sz="1800" b="0" strike="noStrike" spc="-1">
+              <a:latin typeface="Arial"/>
             </a:endParaRPr>
           </a:p>
         </p:txBody>
@@ -5327,7 +5708,7 @@
     </p:spTree>
     <p:extLst>
       <p:ext uri="{BB962C8B-B14F-4D97-AF65-F5344CB8AC3E}">
-        <p14:creationId xmlns:p14="http://schemas.microsoft.com/office/powerpoint/2010/main" val="1543668807"/>
+        <p14:creationId xmlns:p14="http://schemas.microsoft.com/office/powerpoint/2010/main" val="1175936400"/>
       </p:ext>
     </p:extLst>
   </p:cSld>
@@ -5337,7 +5718,27 @@
   <p:timing>
     <p:tnLst>
       <p:par>
-        <p:cTn id="1" dur="indefinite" restart="never" nodeType="tmRoot"/>
+        <p:cTn id="1" dur="indefinite" restart="never" nodeType="tmRoot">
+          <p:childTnLst>
+            <p:seq>
+              <p:cTn id="2" dur="indefinite" nodeType="mainSeq"/>
+              <p:prevCondLst>
+                <p:cond evt="onPrev" delay="0">
+                  <p:tgtEl>
+                    <p:sldTgt/>
+                  </p:tgtEl>
+                </p:cond>
+              </p:prevCondLst>
+              <p:nextCondLst>
+                <p:cond evt="onNext" delay="0">
+                  <p:tgtEl>
+                    <p:sldTgt/>
+                  </p:tgtEl>
+                </p:cond>
+              </p:nextCondLst>
+            </p:seq>
+          </p:childTnLst>
+        </p:cTn>
       </p:par>
     </p:tnLst>
   </p:timing>
@@ -6085,357 +6486,6 @@
       </p:grpSpPr>
       <p:sp>
         <p:nvSpPr>
-          <p:cNvPr id="240" name="TextShape 1"/>
-          <p:cNvSpPr txBox="1"/>
-          <p:nvPr/>
-        </p:nvSpPr>
-        <p:spPr>
-          <a:xfrm>
-            <a:off x="1523880" y="1122480"/>
-            <a:ext cx="9143640" cy="2387160"/>
-          </a:xfrm>
-          <a:prstGeom prst="rect">
-            <a:avLst/>
-          </a:prstGeom>
-          <a:noFill/>
-          <a:ln>
-            <a:noFill/>
-          </a:ln>
-        </p:spPr>
-        <p:txBody>
-          <a:bodyPr anchor="b"/>
-          <a:lstStyle/>
-          <a:p>
-            <a:pPr algn="ctr">
-              <a:lnSpc>
-                <a:spcPct val="90000"/>
-              </a:lnSpc>
-            </a:pPr>
-            <a:r>
-              <a:rPr lang="en-US" sz="6000" b="0" strike="noStrike" spc="-1">
-                <a:solidFill>
-                  <a:srgbClr val="000000"/>
-                </a:solidFill>
-                <a:latin typeface="Calibri Light"/>
-              </a:rPr>
-              <a:t>Software Testing:</a:t>
-            </a:r>
-            <a:r>
-              <a:t/>
-            </a:r>
-            <a:br/>
-            <a:r>
-              <a:rPr lang="en-US" sz="6000" b="0" strike="noStrike" spc="-1">
-                <a:solidFill>
-                  <a:srgbClr val="000000"/>
-                </a:solidFill>
-                <a:latin typeface="Calibri Light"/>
-              </a:rPr>
-              <a:t>From Practice to Research</a:t>
-            </a:r>
-            <a:endParaRPr lang="en-US" sz="6000" b="0" strike="noStrike" spc="-1">
-              <a:solidFill>
-                <a:srgbClr val="000000"/>
-              </a:solidFill>
-              <a:latin typeface="Calibri"/>
-            </a:endParaRPr>
-          </a:p>
-        </p:txBody>
-      </p:sp>
-      <p:sp>
-        <p:nvSpPr>
-          <p:cNvPr id="241" name="TextShape 2"/>
-          <p:cNvSpPr txBox="1"/>
-          <p:nvPr/>
-        </p:nvSpPr>
-        <p:spPr>
-          <a:xfrm>
-            <a:off x="1523880" y="4258800"/>
-            <a:ext cx="9143640" cy="1655280"/>
-          </a:xfrm>
-          <a:prstGeom prst="rect">
-            <a:avLst/>
-          </a:prstGeom>
-          <a:noFill/>
-          <a:ln>
-            <a:noFill/>
-          </a:ln>
-        </p:spPr>
-        <p:txBody>
-          <a:bodyPr>
-            <a:normAutofit/>
-          </a:bodyPr>
-          <a:lstStyle/>
-          <a:p>
-            <a:pPr algn="ctr">
-              <a:lnSpc>
-                <a:spcPct val="90000"/>
-              </a:lnSpc>
-              <a:spcBef>
-                <a:spcPts val="1001"/>
-              </a:spcBef>
-            </a:pPr>
-            <a:r>
-              <a:rPr lang="en-US" sz="3200" b="0" strike="noStrike" spc="-1" dirty="0">
-                <a:solidFill>
-                  <a:srgbClr val="000000"/>
-                </a:solidFill>
-                <a:latin typeface="Calibri"/>
-              </a:rPr>
-              <a:t>Marcelo </a:t>
-            </a:r>
-            <a:r>
-              <a:rPr lang="en-US" sz="3200" b="0" strike="noStrike" spc="-1" dirty="0" err="1" smtClean="0">
-                <a:solidFill>
-                  <a:srgbClr val="000000"/>
-                </a:solidFill>
-                <a:latin typeface="Calibri"/>
-              </a:rPr>
-              <a:t>d'Amorim</a:t>
-            </a:r>
-            <a:endParaRPr lang="en-US" sz="3200" b="0" strike="noStrike" spc="-1" dirty="0" smtClean="0">
-              <a:solidFill>
-                <a:srgbClr val="000000"/>
-              </a:solidFill>
-              <a:latin typeface="Calibri"/>
-            </a:endParaRPr>
-          </a:p>
-          <a:p>
-            <a:pPr algn="ctr">
-              <a:lnSpc>
-                <a:spcPct val="90000"/>
-              </a:lnSpc>
-              <a:spcBef>
-                <a:spcPts val="1001"/>
-              </a:spcBef>
-            </a:pPr>
-            <a:r>
-              <a:rPr lang="en-US" sz="3200" spc="-1" dirty="0" smtClean="0">
-                <a:solidFill>
-                  <a:srgbClr val="000000"/>
-                </a:solidFill>
-                <a:latin typeface="Calibri"/>
-              </a:rPr>
-              <a:t>damorim@cin.ufpe.br</a:t>
-            </a:r>
-            <a:endParaRPr lang="en-US" sz="3200" b="0" strike="noStrike" spc="-1" dirty="0">
-              <a:latin typeface="Arial"/>
-            </a:endParaRPr>
-          </a:p>
-        </p:txBody>
-      </p:sp>
-      <p:sp>
-        <p:nvSpPr>
-          <p:cNvPr id="242" name="CustomShape 3"/>
-          <p:cNvSpPr/>
-          <p:nvPr/>
-        </p:nvSpPr>
-        <p:spPr>
-          <a:xfrm>
-            <a:off x="3733200" y="6316560"/>
-            <a:ext cx="5109480" cy="366120"/>
-          </a:xfrm>
-          <a:prstGeom prst="rect">
-            <a:avLst/>
-          </a:prstGeom>
-          <a:noFill/>
-          <a:ln>
-            <a:noFill/>
-          </a:ln>
-        </p:spPr>
-        <p:style>
-          <a:lnRef idx="0">
-            <a:scrgbClr r="0" g="0" b="0"/>
-          </a:lnRef>
-          <a:fillRef idx="0">
-            <a:scrgbClr r="0" g="0" b="0"/>
-          </a:fillRef>
-          <a:effectRef idx="0">
-            <a:scrgbClr r="0" g="0" b="0"/>
-          </a:effectRef>
-          <a:fontRef idx="minor"/>
-        </p:style>
-        <p:txBody>
-          <a:bodyPr/>
-          <a:lstStyle/>
-          <a:p>
-            <a:pPr algn="ctr">
-              <a:lnSpc>
-                <a:spcPct val="100000"/>
-              </a:lnSpc>
-            </a:pPr>
-            <a:r>
-              <a:rPr lang="en-US" sz="1800" b="0" strike="noStrike" spc="-1" dirty="0" smtClean="0">
-                <a:solidFill>
-                  <a:srgbClr val="000000"/>
-                </a:solidFill>
-                <a:latin typeface="Calibri"/>
-              </a:rPr>
-              <a:t>Rio </a:t>
-            </a:r>
-            <a:r>
-              <a:rPr lang="en-US" sz="1800" b="0" strike="noStrike" spc="-1" dirty="0">
-                <a:solidFill>
-                  <a:srgbClr val="000000"/>
-                </a:solidFill>
-                <a:latin typeface="Calibri"/>
-              </a:rPr>
-              <a:t>Cuarto, </a:t>
-            </a:r>
-            <a:r>
-              <a:rPr lang="en-US" sz="1800" b="0" strike="noStrike" spc="-1" dirty="0" smtClean="0">
-                <a:solidFill>
-                  <a:srgbClr val="000000"/>
-                </a:solidFill>
-                <a:latin typeface="Calibri"/>
-              </a:rPr>
-              <a:t>Argentina, February 2020</a:t>
-            </a:r>
-            <a:endParaRPr lang="en-US" sz="1800" b="0" strike="noStrike" spc="-1" dirty="0">
-              <a:latin typeface="Arial"/>
-            </a:endParaRPr>
-          </a:p>
-        </p:txBody>
-      </p:sp>
-      <p:pic>
-        <p:nvPicPr>
-          <p:cNvPr id="243" name="Picture 2"/>
-          <p:cNvPicPr/>
-          <p:nvPr/>
-        </p:nvPicPr>
-        <p:blipFill>
-          <a:blip r:embed="rId2"/>
-          <a:stretch/>
-        </p:blipFill>
-        <p:spPr>
-          <a:xfrm>
-            <a:off x="-71640" y="5724720"/>
-            <a:ext cx="2239920" cy="1183320"/>
-          </a:xfrm>
-          <a:prstGeom prst="rect">
-            <a:avLst/>
-          </a:prstGeom>
-          <a:ln>
-            <a:noFill/>
-          </a:ln>
-        </p:spPr>
-      </p:pic>
-      <p:sp>
-        <p:nvSpPr>
-          <p:cNvPr id="244" name="CustomShape 4"/>
-          <p:cNvSpPr/>
-          <p:nvPr/>
-        </p:nvSpPr>
-        <p:spPr>
-          <a:xfrm>
-            <a:off x="9808920" y="6324120"/>
-            <a:ext cx="2366640" cy="364680"/>
-          </a:xfrm>
-          <a:prstGeom prst="rect">
-            <a:avLst/>
-          </a:prstGeom>
-          <a:noFill/>
-          <a:ln>
-            <a:noFill/>
-          </a:ln>
-        </p:spPr>
-        <p:style>
-          <a:lnRef idx="0">
-            <a:scrgbClr r="0" g="0" b="0"/>
-          </a:lnRef>
-          <a:fillRef idx="0">
-            <a:scrgbClr r="0" g="0" b="0"/>
-          </a:fillRef>
-          <a:effectRef idx="0">
-            <a:scrgbClr r="0" g="0" b="0"/>
-          </a:effectRef>
-          <a:fontRef idx="minor"/>
-        </p:style>
-        <p:txBody>
-          <a:bodyPr wrap="none" lIns="90000" tIns="45000" rIns="90000" bIns="45000"/>
-          <a:lstStyle/>
-          <a:p>
-            <a:pPr>
-              <a:lnSpc>
-                <a:spcPct val="100000"/>
-              </a:lnSpc>
-            </a:pPr>
-            <a:r>
-              <a:rPr lang="en-US" sz="1800" b="0" u="sng" strike="noStrike" spc="-1">
-                <a:solidFill>
-                  <a:srgbClr val="0563C1"/>
-                </a:solidFill>
-                <a:uFillTx/>
-                <a:latin typeface="Calibri"/>
-                <a:hlinkClick r:id="rId3"/>
-              </a:rPr>
-              <a:t>https://star.cin.ufpe.br/</a:t>
-            </a:r>
-            <a:endParaRPr lang="en-US" sz="1800" b="0" strike="noStrike" spc="-1">
-              <a:latin typeface="Arial"/>
-            </a:endParaRPr>
-          </a:p>
-        </p:txBody>
-      </p:sp>
-    </p:spTree>
-    <p:extLst>
-      <p:ext uri="{BB962C8B-B14F-4D97-AF65-F5344CB8AC3E}">
-        <p14:creationId xmlns:p14="http://schemas.microsoft.com/office/powerpoint/2010/main" val="1175936400"/>
-      </p:ext>
-    </p:extLst>
-  </p:cSld>
-  <p:clrMapOvr>
-    <a:masterClrMapping/>
-  </p:clrMapOvr>
-  <p:timing>
-    <p:tnLst>
-      <p:par>
-        <p:cTn id="1" dur="indefinite" restart="never" nodeType="tmRoot">
-          <p:childTnLst>
-            <p:seq>
-              <p:cTn id="2" dur="indefinite" nodeType="mainSeq"/>
-              <p:prevCondLst>
-                <p:cond evt="onPrev" delay="0">
-                  <p:tgtEl>
-                    <p:sldTgt/>
-                  </p:tgtEl>
-                </p:cond>
-              </p:prevCondLst>
-              <p:nextCondLst>
-                <p:cond evt="onNext" delay="0">
-                  <p:tgtEl>
-                    <p:sldTgt/>
-                  </p:tgtEl>
-                </p:cond>
-              </p:nextCondLst>
-            </p:seq>
-          </p:childTnLst>
-        </p:cTn>
-      </p:par>
-    </p:tnLst>
-  </p:timing>
-</p:sld>
-</file>
-
-<file path=ppt/slides/slide111.xml><?xml version="1.0" encoding="utf-8"?>
-<p:sld xmlns:a="http://schemas.openxmlformats.org/drawingml/2006/main" xmlns:r="http://schemas.openxmlformats.org/officeDocument/2006/relationships" xmlns:p="http://schemas.openxmlformats.org/presentationml/2006/main">
-  <p:cSld>
-    <p:spTree>
-      <p:nvGrpSpPr>
-        <p:cNvPr id="1" name=""/>
-        <p:cNvGrpSpPr/>
-        <p:nvPr/>
-      </p:nvGrpSpPr>
-      <p:grpSpPr>
-        <a:xfrm>
-          <a:off x="0" y="0"/>
-          <a:ext cx="0" cy="0"/>
-          <a:chOff x="0" y="0"/>
-          <a:chExt cx="0" cy="0"/>
-        </a:xfrm>
-      </p:grpSpPr>
-      <p:sp>
-        <p:nvSpPr>
           <p:cNvPr id="2" name="Subtítulo 1"/>
           <p:cNvSpPr>
             <a:spLocks noGrp="1"/>
@@ -6483,7 +6533,7 @@
 </p:sld>
 </file>
 
-<file path=ppt/slides/slide112.xml><?xml version="1.0" encoding="utf-8"?>
+<file path=ppt/slides/slide111.xml><?xml version="1.0" encoding="utf-8"?>
 <p:sld xmlns:a="http://schemas.openxmlformats.org/drawingml/2006/main" xmlns:r="http://schemas.openxmlformats.org/officeDocument/2006/relationships" xmlns:p="http://schemas.openxmlformats.org/presentationml/2006/main">
   <p:cSld>
     <p:spTree>
@@ -6839,6 +6889,146 @@
 </p:sld>
 </file>
 
+<file path=ppt/slides/slide112.xml><?xml version="1.0" encoding="utf-8"?>
+<p:sld xmlns:a="http://schemas.openxmlformats.org/drawingml/2006/main" xmlns:r="http://schemas.openxmlformats.org/officeDocument/2006/relationships" xmlns:p="http://schemas.openxmlformats.org/presentationml/2006/main">
+  <p:cSld>
+    <p:spTree>
+      <p:nvGrpSpPr>
+        <p:cNvPr id="1" name=""/>
+        <p:cNvGrpSpPr/>
+        <p:nvPr/>
+      </p:nvGrpSpPr>
+      <p:grpSpPr>
+        <a:xfrm>
+          <a:off x="0" y="0"/>
+          <a:ext cx="0" cy="0"/>
+          <a:chOff x="0" y="0"/>
+          <a:chExt cx="0" cy="0"/>
+        </a:xfrm>
+      </p:grpSpPr>
+      <p:sp>
+        <p:nvSpPr>
+          <p:cNvPr id="8" name="Título 7"/>
+          <p:cNvSpPr>
+            <a:spLocks noGrp="1"/>
+          </p:cNvSpPr>
+          <p:nvPr>
+            <p:ph type="title"/>
+          </p:nvPr>
+        </p:nvSpPr>
+        <p:spPr/>
+        <p:txBody>
+          <a:bodyPr/>
+          <a:lstStyle/>
+          <a:p>
+            <a:r>
+              <a:rPr lang="en-US" dirty="0" smtClean="0"/>
+              <a:t>Center of Informatics at UFPE</a:t>
+            </a:r>
+            <a:endParaRPr lang="en-US" dirty="0"/>
+          </a:p>
+        </p:txBody>
+      </p:sp>
+      <p:sp>
+        <p:nvSpPr>
+          <p:cNvPr id="10" name="AutoShape 2" descr="Resultado de imagem para cin ufpe building"/>
+          <p:cNvSpPr>
+            <a:spLocks noChangeAspect="1" noChangeArrowheads="1"/>
+          </p:cNvSpPr>
+          <p:nvPr/>
+        </p:nvSpPr>
+        <p:spPr bwMode="auto">
+          <a:xfrm>
+            <a:off x="207433" y="-192617"/>
+            <a:ext cx="406400" cy="406401"/>
+          </a:xfrm>
+          <a:prstGeom prst="rect">
+            <a:avLst/>
+          </a:prstGeom>
+          <a:noFill/>
+          <a:extLst>
+            <a:ext uri="{909E8E84-426E-40DD-AFC4-6F175D3DCCD1}">
+              <a14:hiddenFill xmlns:a14="http://schemas.microsoft.com/office/drawing/2010/main">
+                <a:solidFill>
+                  <a:srgbClr val="FFFFFF"/>
+                </a:solidFill>
+              </a14:hiddenFill>
+            </a:ext>
+          </a:extLst>
+        </p:spPr>
+        <p:txBody>
+          <a:bodyPr vert="horz" wrap="square" lIns="121917" tIns="60958" rIns="121917" bIns="60958" numCol="1" anchor="t" anchorCtr="0" compatLnSpc="1">
+            <a:prstTxWarp prst="textNoShape">
+              <a:avLst/>
+            </a:prstTxWarp>
+          </a:bodyPr>
+          <a:lstStyle/>
+          <a:p>
+            <a:endParaRPr lang="en-US"/>
+          </a:p>
+        </p:txBody>
+      </p:sp>
+      <p:pic>
+        <p:nvPicPr>
+          <p:cNvPr id="6148" name="Picture 4" descr="Resultado de imagem para cin ufpe building"/>
+          <p:cNvPicPr>
+            <a:picLocks noChangeAspect="1" noChangeArrowheads="1"/>
+          </p:cNvPicPr>
+          <p:nvPr/>
+        </p:nvPicPr>
+        <p:blipFill>
+          <a:blip r:embed="rId2">
+            <a:extLst>
+              <a:ext uri="{28A0092B-C50C-407E-A947-70E740481C1C}">
+                <a14:useLocalDpi xmlns:a14="http://schemas.microsoft.com/office/drawing/2010/main" val="0"/>
+              </a:ext>
+            </a:extLst>
+          </a:blip>
+          <a:srcRect/>
+          <a:stretch>
+            <a:fillRect/>
+          </a:stretch>
+        </p:blipFill>
+        <p:spPr bwMode="auto">
+          <a:xfrm>
+            <a:off x="-30957" y="1591073"/>
+            <a:ext cx="12222956" cy="4870087"/>
+          </a:xfrm>
+          <a:prstGeom prst="rect">
+            <a:avLst/>
+          </a:prstGeom>
+          <a:noFill/>
+          <a:extLst>
+            <a:ext uri="{909E8E84-426E-40DD-AFC4-6F175D3DCCD1}">
+              <a14:hiddenFill xmlns:a14="http://schemas.microsoft.com/office/drawing/2010/main">
+                <a:solidFill>
+                  <a:srgbClr val="FFFFFF"/>
+                </a:solidFill>
+              </a14:hiddenFill>
+            </a:ext>
+          </a:extLst>
+        </p:spPr>
+      </p:pic>
+    </p:spTree>
+    <p:extLst>
+      <p:ext uri="{BB962C8B-B14F-4D97-AF65-F5344CB8AC3E}">
+        <p14:creationId xmlns:p14="http://schemas.microsoft.com/office/powerpoint/2010/main" val="2953464700"/>
+      </p:ext>
+    </p:extLst>
+  </p:cSld>
+  <p:clrMapOvr>
+    <a:masterClrMapping/>
+  </p:clrMapOvr>
+  <p:timing>
+    <p:tnLst>
+      <p:par>
+        <p:cTn id="1" dur="indefinite" restart="never" nodeType="tmRoot"/>
+      </p:par>
+    </p:tnLst>
+  </p:timing>
+</p:sld>
+</file>
+
 <file path=ppt/slides/slide113.xml><?xml version="1.0" encoding="utf-8"?>
 <p:sld xmlns:a="http://schemas.openxmlformats.org/drawingml/2006/main" xmlns:r="http://schemas.openxmlformats.org/officeDocument/2006/relationships" xmlns:p="http://schemas.openxmlformats.org/presentationml/2006/main">
   <p:cSld>
@@ -6959,10 +7149,105 @@
           </a:extLst>
         </p:spPr>
       </p:pic>
+      <p:sp>
+        <p:nvSpPr>
+          <p:cNvPr id="11" name="CaixaDeTexto 10"/>
+          <p:cNvSpPr txBox="1"/>
+          <p:nvPr/>
+        </p:nvSpPr>
+        <p:spPr>
+          <a:xfrm>
+            <a:off x="-6244" y="5562600"/>
+            <a:ext cx="12350644" cy="1231102"/>
+          </a:xfrm>
+          <a:prstGeom prst="rect">
+            <a:avLst/>
+          </a:prstGeom>
+        </p:spPr>
+        <p:style>
+          <a:lnRef idx="2">
+            <a:schemeClr val="dk1"/>
+          </a:lnRef>
+          <a:fillRef idx="1">
+            <a:schemeClr val="lt1"/>
+          </a:fillRef>
+          <a:effectRef idx="0">
+            <a:schemeClr val="dk1"/>
+          </a:effectRef>
+          <a:fontRef idx="minor">
+            <a:schemeClr val="dk1"/>
+          </a:fontRef>
+        </p:style>
+        <p:txBody>
+          <a:bodyPr wrap="square" lIns="121917" tIns="60958" rIns="121917" bIns="60958" rtlCol="0">
+            <a:spAutoFit/>
+          </a:bodyPr>
+          <a:lstStyle/>
+          <a:p>
+            <a:r>
+              <a:rPr lang="en-US" sz="2400" dirty="0" smtClean="0"/>
+              <a:t>With 5 other programs, </a:t>
+            </a:r>
+            <a:r>
+              <a:rPr lang="en-US" sz="2400" dirty="0" err="1" smtClean="0"/>
+              <a:t>CIn</a:t>
+            </a:r>
+            <a:r>
+              <a:rPr lang="en-US" sz="2400" dirty="0" smtClean="0"/>
+              <a:t>-UFPE holds the highest classification of a PhD program in Brazil (7/7).</a:t>
+            </a:r>
+          </a:p>
+          <a:p>
+            <a:r>
+              <a:rPr lang="en-US" sz="2400" dirty="0" smtClean="0"/>
+              <a:t>According </a:t>
+            </a:r>
+            <a:r>
+              <a:rPr lang="en-US" sz="2400" dirty="0"/>
+              <a:t>to </a:t>
+            </a:r>
+            <a:r>
+              <a:rPr lang="en-US" sz="2400" dirty="0" smtClean="0"/>
+              <a:t>csindexbr.org </a:t>
+            </a:r>
+            <a:r>
+              <a:rPr lang="en-US" sz="2400" dirty="0" err="1" smtClean="0"/>
+              <a:t>CIn</a:t>
+            </a:r>
+            <a:r>
+              <a:rPr lang="en-US" sz="2400" dirty="0" smtClean="0"/>
+              <a:t>-UFPE is 1</a:t>
+            </a:r>
+            <a:r>
+              <a:rPr lang="en-US" sz="2400" baseline="30000" dirty="0" smtClean="0"/>
+              <a:t>st </a:t>
+            </a:r>
+            <a:r>
+              <a:rPr lang="en-US" sz="2400" dirty="0" smtClean="0"/>
+              <a:t> in number of *selected* publications in the area of SE.</a:t>
+            </a:r>
+          </a:p>
+          <a:p>
+            <a:r>
+              <a:rPr lang="en-US" sz="2400" dirty="0" smtClean="0"/>
+              <a:t>~</a:t>
+            </a:r>
+            <a:r>
+              <a:rPr lang="en-US" sz="2400" dirty="0"/>
+              <a:t>90 faculty, ~10 faculty in SE, 6 SE faculty in </a:t>
+            </a:r>
+            <a:r>
+              <a:rPr lang="en-US" sz="2400" dirty="0" smtClean="0"/>
+              <a:t>SPG+STAR.</a:t>
+            </a:r>
+            <a:endParaRPr lang="en-US" sz="2400" dirty="0"/>
+          </a:p>
+        </p:txBody>
+      </p:sp>
     </p:spTree>
     <p:extLst>
       <p:ext uri="{BB962C8B-B14F-4D97-AF65-F5344CB8AC3E}">
-        <p14:creationId xmlns:p14="http://schemas.microsoft.com/office/powerpoint/2010/main" val="2953464700"/>
+        <p14:creationId xmlns:p14="http://schemas.microsoft.com/office/powerpoint/2010/main" val="1166438722"/>
       </p:ext>
     </p:extLst>
   </p:cSld>
@@ -7013,7 +7298,7 @@
           <a:p>
             <a:r>
               <a:rPr lang="en-US" dirty="0" smtClean="0"/>
-              <a:t>Center of Informatics at UFPE</a:t>
+              <a:t>Informatics at UFPE</a:t>
             </a:r>
             <a:endParaRPr lang="en-US" dirty="0"/>
           </a:p>
@@ -7101,103 +7386,138 @@
       </p:pic>
       <p:sp>
         <p:nvSpPr>
-          <p:cNvPr id="11" name="CaixaDeTexto 10"/>
-          <p:cNvSpPr txBox="1"/>
+          <p:cNvPr id="7" name="CustomShape 3"/>
+          <p:cNvSpPr/>
           <p:nvPr/>
         </p:nvSpPr>
         <p:spPr>
           <a:xfrm>
-            <a:off x="-6244" y="5562600"/>
-            <a:ext cx="12350644" cy="1231102"/>
-          </a:xfrm>
-          <a:prstGeom prst="rect">
-            <a:avLst/>
+            <a:off x="7162800" y="4876800"/>
+            <a:ext cx="4904764" cy="1828800"/>
+          </a:xfrm>
+          <a:prstGeom prst="wedgeRectCallout">
+            <a:avLst>
+              <a:gd name="adj1" fmla="val -40019"/>
+              <a:gd name="adj2" fmla="val -115337"/>
+            </a:avLst>
           </a:prstGeom>
+          <a:solidFill>
+            <a:schemeClr val="lt2"/>
+          </a:solidFill>
+          <a:ln w="9360">
+            <a:solidFill>
+              <a:schemeClr val="dk2"/>
+            </a:solidFill>
+            <a:round/>
+          </a:ln>
         </p:spPr>
         <p:style>
-          <a:lnRef idx="2">
-            <a:schemeClr val="dk1"/>
+          <a:lnRef idx="0">
+            <a:scrgbClr r="0" g="0" b="0"/>
           </a:lnRef>
-          <a:fillRef idx="1">
-            <a:schemeClr val="lt1"/>
+          <a:fillRef idx="0">
+            <a:scrgbClr r="0" g="0" b="0"/>
           </a:fillRef>
           <a:effectRef idx="0">
-            <a:schemeClr val="dk1"/>
+            <a:scrgbClr r="0" g="0" b="0"/>
           </a:effectRef>
-          <a:fontRef idx="minor">
-            <a:schemeClr val="dk1"/>
-          </a:fontRef>
+          <a:fontRef idx="minor"/>
         </p:style>
         <p:txBody>
-          <a:bodyPr wrap="square" lIns="121917" tIns="60958" rIns="121917" bIns="60958" rtlCol="0">
-            <a:spAutoFit/>
-          </a:bodyPr>
+          <a:bodyPr lIns="90000" tIns="91440" rIns="90000" bIns="91440" anchor="ctr"/>
           <a:lstStyle/>
           <a:p>
-            <a:r>
-              <a:rPr lang="en-US" sz="2400" dirty="0" smtClean="0"/>
-              <a:t>With 5 other programs, </a:t>
-            </a:r>
-            <a:r>
-              <a:rPr lang="en-US" sz="2400" dirty="0" err="1" smtClean="0"/>
-              <a:t>CIn</a:t>
-            </a:r>
-            <a:r>
-              <a:rPr lang="en-US" sz="2400" dirty="0" smtClean="0"/>
-              <a:t>-UFPE holds the highest classification of a PhD program in Brazil (7/7).</a:t>
-            </a:r>
-          </a:p>
-          <a:p>
-            <a:r>
-              <a:rPr lang="en-US" sz="2400" dirty="0" smtClean="0"/>
-              <a:t>According </a:t>
-            </a:r>
-            <a:r>
-              <a:rPr lang="en-US" sz="2400" dirty="0"/>
-              <a:t>to </a:t>
-            </a:r>
-            <a:r>
-              <a:rPr lang="en-US" sz="2400" dirty="0" smtClean="0"/>
-              <a:t>csindexbr.org </a:t>
-            </a:r>
-            <a:r>
-              <a:rPr lang="en-US" sz="2400" dirty="0" err="1" smtClean="0"/>
-              <a:t>CIn</a:t>
-            </a:r>
-            <a:r>
-              <a:rPr lang="en-US" sz="2400" dirty="0" smtClean="0"/>
-              <a:t>-UFPE is 1</a:t>
-            </a:r>
-            <a:r>
-              <a:rPr lang="en-US" sz="2400" baseline="30000" dirty="0" smtClean="0"/>
-              <a:t>st </a:t>
-            </a:r>
-            <a:r>
-              <a:rPr lang="en-US" sz="2400" dirty="0" smtClean="0"/>
-              <a:t> in number of *selected* publications in the area of SE.</a:t>
-            </a:r>
-          </a:p>
-          <a:p>
-            <a:r>
-              <a:rPr lang="en-US" sz="2400" dirty="0" smtClean="0"/>
-              <a:t>~</a:t>
-            </a:r>
-            <a:r>
-              <a:rPr lang="en-US" sz="2400" dirty="0"/>
-              <a:t>90 faculty, ~10 faculty in SE, 6 SE faculty in </a:t>
-            </a:r>
-            <a:r>
-              <a:rPr lang="en-US" sz="2400" dirty="0" smtClean="0"/>
-              <a:t>SPG+STAR.</a:t>
-            </a:r>
-            <a:endParaRPr lang="en-US" sz="2400" dirty="0"/>
+            <a:pPr algn="ctr">
+              <a:lnSpc>
+                <a:spcPct val="100000"/>
+              </a:lnSpc>
+            </a:pPr>
+            <a:r>
+              <a:rPr lang="en-US" sz="2800" spc="-1" dirty="0" smtClean="0">
+                <a:solidFill>
+                  <a:srgbClr val="000000"/>
+                </a:solidFill>
+                <a:latin typeface="Calibri" panose="020F0502020204030204" pitchFamily="34" charset="0"/>
+                <a:cs typeface="Calibri" panose="020F0502020204030204" pitchFamily="34" charset="0"/>
+              </a:rPr>
+              <a:t>Faculty offices, undergrad labs, and facilities of partners (Apple, Samsung, Motorola, and OKI).</a:t>
+            </a:r>
+            <a:endParaRPr lang="en-US" sz="2800" b="0" strike="noStrike" spc="-1" dirty="0">
+              <a:latin typeface="Calibri" panose="020F0502020204030204" pitchFamily="34" charset="0"/>
+              <a:cs typeface="Calibri" panose="020F0502020204030204" pitchFamily="34" charset="0"/>
+            </a:endParaRPr>
+          </a:p>
+        </p:txBody>
+      </p:sp>
+      <p:sp>
+        <p:nvSpPr>
+          <p:cNvPr id="6" name="CustomShape 3"/>
+          <p:cNvSpPr/>
+          <p:nvPr/>
+        </p:nvSpPr>
+        <p:spPr>
+          <a:xfrm>
+            <a:off x="207433" y="4876800"/>
+            <a:ext cx="4676164" cy="1828800"/>
+          </a:xfrm>
+          <a:prstGeom prst="wedgeRectCallout">
+            <a:avLst>
+              <a:gd name="adj1" fmla="val -45360"/>
+              <a:gd name="adj2" fmla="val -106554"/>
+            </a:avLst>
+          </a:prstGeom>
+          <a:solidFill>
+            <a:schemeClr val="lt2"/>
+          </a:solidFill>
+          <a:ln w="9360">
+            <a:solidFill>
+              <a:schemeClr val="dk2"/>
+            </a:solidFill>
+            <a:round/>
+          </a:ln>
+        </p:spPr>
+        <p:style>
+          <a:lnRef idx="0">
+            <a:scrgbClr r="0" g="0" b="0"/>
+          </a:lnRef>
+          <a:fillRef idx="0">
+            <a:scrgbClr r="0" g="0" b="0"/>
+          </a:fillRef>
+          <a:effectRef idx="0">
+            <a:scrgbClr r="0" g="0" b="0"/>
+          </a:effectRef>
+          <a:fontRef idx="minor"/>
+        </p:style>
+        <p:txBody>
+          <a:bodyPr lIns="90000" tIns="91440" rIns="90000" bIns="91440" anchor="ctr"/>
+          <a:lstStyle/>
+          <a:p>
+            <a:pPr algn="ctr">
+              <a:lnSpc>
+                <a:spcPct val="100000"/>
+              </a:lnSpc>
+            </a:pPr>
+            <a:r>
+              <a:rPr lang="en-US" sz="2800" spc="-1" dirty="0" smtClean="0">
+                <a:solidFill>
+                  <a:srgbClr val="000000"/>
+                </a:solidFill>
+                <a:latin typeface="Calibri" panose="020F0502020204030204" pitchFamily="34" charset="0"/>
+                <a:cs typeface="Calibri" panose="020F0502020204030204" pitchFamily="34" charset="0"/>
+              </a:rPr>
+              <a:t>2x4-story buildings like this. Grad student’s offices, classrooms, and admin offices.</a:t>
+            </a:r>
+            <a:endParaRPr lang="en-US" sz="2800" b="0" strike="noStrike" spc="-1" dirty="0">
+              <a:latin typeface="Calibri" panose="020F0502020204030204" pitchFamily="34" charset="0"/>
+              <a:cs typeface="Calibri" panose="020F0502020204030204" pitchFamily="34" charset="0"/>
+            </a:endParaRPr>
           </a:p>
         </p:txBody>
       </p:sp>
     </p:spTree>
     <p:extLst>
       <p:ext uri="{BB962C8B-B14F-4D97-AF65-F5344CB8AC3E}">
-        <p14:creationId xmlns:p14="http://schemas.microsoft.com/office/powerpoint/2010/main" val="1166438722"/>
+        <p14:creationId xmlns:p14="http://schemas.microsoft.com/office/powerpoint/2010/main" val="2505668133"/>
       </p:ext>
     </p:extLst>
   </p:cSld>
@@ -7233,233 +7553,276 @@
       </p:grpSpPr>
       <p:sp>
         <p:nvSpPr>
-          <p:cNvPr id="8" name="Título 7"/>
-          <p:cNvSpPr>
-            <a:spLocks noGrp="1"/>
-          </p:cNvSpPr>
-          <p:nvPr>
-            <p:ph type="title"/>
-          </p:nvPr>
+          <p:cNvPr id="282" name="TextShape 1"/>
+          <p:cNvSpPr txBox="1"/>
+          <p:nvPr/>
         </p:nvSpPr>
-        <p:spPr/>
+        <p:spPr>
+          <a:xfrm>
+            <a:off x="838080" y="365040"/>
+            <a:ext cx="10515240" cy="1325160"/>
+          </a:xfrm>
+          <a:prstGeom prst="rect">
+            <a:avLst/>
+          </a:prstGeom>
+          <a:noFill/>
+          <a:ln>
+            <a:noFill/>
+          </a:ln>
+        </p:spPr>
         <p:txBody>
-          <a:bodyPr/>
+          <a:bodyPr anchor="ctr"/>
           <a:lstStyle/>
           <a:p>
-            <a:r>
-              <a:rPr lang="en-US" dirty="0" smtClean="0"/>
-              <a:t>Informatics at UFPE</a:t>
-            </a:r>
-            <a:endParaRPr lang="en-US" dirty="0"/>
+            <a:pPr>
+              <a:lnSpc>
+                <a:spcPct val="90000"/>
+              </a:lnSpc>
+            </a:pPr>
+            <a:r>
+              <a:rPr lang="en-US" sz="4400" b="0" strike="noStrike" spc="-1" dirty="0" smtClean="0">
+                <a:solidFill>
+                  <a:srgbClr val="000000"/>
+                </a:solidFill>
+                <a:latin typeface="Calibri Light"/>
+              </a:rPr>
+              <a:t>If you are curious…</a:t>
+            </a:r>
+            <a:endParaRPr lang="en-US" sz="4400" b="0" strike="noStrike" spc="-1" dirty="0">
+              <a:solidFill>
+                <a:srgbClr val="000000"/>
+              </a:solidFill>
+              <a:latin typeface="Calibri"/>
+            </a:endParaRPr>
           </a:p>
         </p:txBody>
       </p:sp>
       <p:sp>
         <p:nvSpPr>
-          <p:cNvPr id="10" name="AutoShape 2" descr="Resultado de imagem para cin ufpe building"/>
-          <p:cNvSpPr>
-            <a:spLocks noChangeAspect="1" noChangeArrowheads="1"/>
-          </p:cNvSpPr>
+          <p:cNvPr id="283" name="TextShape 2"/>
+          <p:cNvSpPr txBox="1"/>
           <p:nvPr/>
         </p:nvSpPr>
-        <p:spPr bwMode="auto">
+        <p:spPr>
           <a:xfrm>
-            <a:off x="207433" y="-192617"/>
-            <a:ext cx="406400" cy="406401"/>
+            <a:off x="838080" y="1825560"/>
+            <a:ext cx="11208960" cy="4350960"/>
           </a:xfrm>
           <a:prstGeom prst="rect">
             <a:avLst/>
           </a:prstGeom>
           <a:noFill/>
-          <a:extLst>
-            <a:ext uri="{909E8E84-426E-40DD-AFC4-6F175D3DCCD1}">
-              <a14:hiddenFill xmlns:a14="http://schemas.microsoft.com/office/drawing/2010/main">
-                <a:solidFill>
-                  <a:srgbClr val="FFFFFF"/>
-                </a:solidFill>
-              </a14:hiddenFill>
-            </a:ext>
-          </a:extLst>
+          <a:ln>
+            <a:noFill/>
+          </a:ln>
         </p:spPr>
         <p:txBody>
-          <a:bodyPr vert="horz" wrap="square" lIns="121917" tIns="60958" rIns="121917" bIns="60958" numCol="1" anchor="t" anchorCtr="0" compatLnSpc="1">
-            <a:prstTxWarp prst="textNoShape">
-              <a:avLst/>
-            </a:prstTxWarp>
-          </a:bodyPr>
+          <a:bodyPr/>
           <a:lstStyle/>
           <a:p>
-            <a:endParaRPr lang="en-US"/>
-          </a:p>
-        </p:txBody>
-      </p:sp>
-      <p:pic>
-        <p:nvPicPr>
-          <p:cNvPr id="6148" name="Picture 4" descr="Resultado de imagem para cin ufpe building"/>
-          <p:cNvPicPr>
-            <a:picLocks noChangeAspect="1" noChangeArrowheads="1"/>
-          </p:cNvPicPr>
-          <p:nvPr/>
-        </p:nvPicPr>
-        <p:blipFill>
-          <a:blip r:embed="rId2">
-            <a:extLst>
-              <a:ext uri="{28A0092B-C50C-407E-A947-70E740481C1C}">
-                <a14:useLocalDpi xmlns:a14="http://schemas.microsoft.com/office/drawing/2010/main" val="0"/>
-              </a:ext>
-            </a:extLst>
-          </a:blip>
-          <a:srcRect/>
-          <a:stretch>
-            <a:fillRect/>
-          </a:stretch>
-        </p:blipFill>
-        <p:spPr bwMode="auto">
-          <a:xfrm>
-            <a:off x="-30957" y="1591073"/>
-            <a:ext cx="12222956" cy="4870087"/>
-          </a:xfrm>
-          <a:prstGeom prst="rect">
-            <a:avLst/>
-          </a:prstGeom>
-          <a:noFill/>
-          <a:extLst>
-            <a:ext uri="{909E8E84-426E-40DD-AFC4-6F175D3DCCD1}">
-              <a14:hiddenFill xmlns:a14="http://schemas.microsoft.com/office/drawing/2010/main">
-                <a:solidFill>
-                  <a:srgbClr val="FFFFFF"/>
-                </a:solidFill>
-              </a14:hiddenFill>
-            </a:ext>
-          </a:extLst>
-        </p:spPr>
-      </p:pic>
-      <p:sp>
-        <p:nvSpPr>
-          <p:cNvPr id="7" name="CustomShape 3"/>
-          <p:cNvSpPr/>
-          <p:nvPr/>
-        </p:nvSpPr>
-        <p:spPr>
-          <a:xfrm>
-            <a:off x="7162800" y="4876800"/>
-            <a:ext cx="4904764" cy="1828800"/>
-          </a:xfrm>
-          <a:prstGeom prst="wedgeRectCallout">
-            <a:avLst>
-              <a:gd name="adj1" fmla="val -40019"/>
-              <a:gd name="adj2" fmla="val -115337"/>
-            </a:avLst>
-          </a:prstGeom>
-          <a:solidFill>
-            <a:schemeClr val="lt2"/>
-          </a:solidFill>
-          <a:ln w="9360">
-            <a:solidFill>
-              <a:schemeClr val="dk2"/>
-            </a:solidFill>
-            <a:round/>
-          </a:ln>
-        </p:spPr>
-        <p:style>
-          <a:lnRef idx="0">
-            <a:scrgbClr r="0" g="0" b="0"/>
-          </a:lnRef>
-          <a:fillRef idx="0">
-            <a:scrgbClr r="0" g="0" b="0"/>
-          </a:fillRef>
-          <a:effectRef idx="0">
-            <a:scrgbClr r="0" g="0" b="0"/>
-          </a:effectRef>
-          <a:fontRef idx="minor"/>
-        </p:style>
-        <p:txBody>
-          <a:bodyPr lIns="90000" tIns="91440" rIns="90000" bIns="91440" anchor="ctr"/>
-          <a:lstStyle/>
-          <a:p>
-            <a:pPr algn="ctr">
-              <a:lnSpc>
-                <a:spcPct val="100000"/>
-              </a:lnSpc>
+            <a:pPr marL="228600" indent="-228240">
+              <a:lnSpc>
+                <a:spcPct val="90000"/>
+              </a:lnSpc>
+              <a:spcBef>
+                <a:spcPts val="1001"/>
+              </a:spcBef>
+              <a:buClr>
+                <a:srgbClr val="000000"/>
+              </a:buClr>
+              <a:buFont typeface="Arial"/>
+              <a:buChar char="•"/>
             </a:pPr>
             <a:r>
               <a:rPr lang="en-US" sz="2800" spc="-1" dirty="0" smtClean="0">
                 <a:solidFill>
                   <a:srgbClr val="000000"/>
                 </a:solidFill>
-                <a:latin typeface="Calibri" panose="020F0502020204030204" pitchFamily="34" charset="0"/>
-                <a:cs typeface="Calibri" panose="020F0502020204030204" pitchFamily="34" charset="0"/>
-              </a:rPr>
-              <a:t>Faculty offices, undergrad labs, and facilities of partners (Apple, Samsung, Motorola, and OKI).</a:t>
-            </a:r>
-            <a:endParaRPr lang="en-US" sz="2800" b="0" strike="noStrike" spc="-1" dirty="0">
-              <a:latin typeface="Calibri" panose="020F0502020204030204" pitchFamily="34" charset="0"/>
-              <a:cs typeface="Calibri" panose="020F0502020204030204" pitchFamily="34" charset="0"/>
-            </a:endParaRPr>
-          </a:p>
-        </p:txBody>
-      </p:sp>
-      <p:sp>
-        <p:nvSpPr>
-          <p:cNvPr id="6" name="CustomShape 3"/>
-          <p:cNvSpPr/>
-          <p:nvPr/>
-        </p:nvSpPr>
-        <p:spPr>
-          <a:xfrm>
-            <a:off x="207433" y="4876800"/>
-            <a:ext cx="4676164" cy="1828800"/>
-          </a:xfrm>
-          <a:prstGeom prst="wedgeRectCallout">
-            <a:avLst>
-              <a:gd name="adj1" fmla="val -45360"/>
-              <a:gd name="adj2" fmla="val -106554"/>
-            </a:avLst>
-          </a:prstGeom>
-          <a:solidFill>
-            <a:schemeClr val="lt2"/>
-          </a:solidFill>
-          <a:ln w="9360">
-            <a:solidFill>
-              <a:schemeClr val="dk2"/>
-            </a:solidFill>
-            <a:round/>
-          </a:ln>
-        </p:spPr>
-        <p:style>
-          <a:lnRef idx="0">
-            <a:scrgbClr r="0" g="0" b="0"/>
-          </a:lnRef>
-          <a:fillRef idx="0">
-            <a:scrgbClr r="0" g="0" b="0"/>
-          </a:fillRef>
-          <a:effectRef idx="0">
-            <a:scrgbClr r="0" g="0" b="0"/>
-          </a:effectRef>
-          <a:fontRef idx="minor"/>
-        </p:style>
-        <p:txBody>
-          <a:bodyPr lIns="90000" tIns="91440" rIns="90000" bIns="91440" anchor="ctr"/>
-          <a:lstStyle/>
-          <a:p>
-            <a:pPr algn="ctr">
-              <a:lnSpc>
-                <a:spcPct val="100000"/>
-              </a:lnSpc>
+                <a:latin typeface="Calibri"/>
+              </a:rPr>
+              <a:t>Short video about our department -&gt; </a:t>
+            </a:r>
+            <a:r>
+              <a:rPr lang="en-US" sz="2800" dirty="0">
+                <a:hlinkClick r:id="rId2"/>
+              </a:rPr>
+              <a:t>https://</a:t>
+            </a:r>
+            <a:r>
+              <a:rPr lang="en-US" sz="2800" dirty="0" smtClean="0">
+                <a:hlinkClick r:id="rId2"/>
+              </a:rPr>
+              <a:t>tinyurl.com/wl68cvx</a:t>
+            </a:r>
+            <a:endParaRPr lang="en-US" sz="2800" dirty="0" smtClean="0"/>
+          </a:p>
+          <a:p>
+            <a:pPr marL="228600" indent="-228240">
+              <a:lnSpc>
+                <a:spcPct val="90000"/>
+              </a:lnSpc>
+              <a:spcBef>
+                <a:spcPts val="1001"/>
+              </a:spcBef>
+              <a:buClr>
+                <a:srgbClr val="000000"/>
+              </a:buClr>
+              <a:buFont typeface="Arial"/>
+              <a:buChar char="•"/>
             </a:pPr>
             <a:r>
               <a:rPr lang="en-US" sz="2800" spc="-1" dirty="0" smtClean="0">
                 <a:solidFill>
                   <a:srgbClr val="000000"/>
                 </a:solidFill>
-                <a:latin typeface="Calibri" panose="020F0502020204030204" pitchFamily="34" charset="0"/>
-                <a:cs typeface="Calibri" panose="020F0502020204030204" pitchFamily="34" charset="0"/>
-              </a:rPr>
-              <a:t>2x4-story buildings like this. Grad student’s offices, classrooms, and admin offices.</a:t>
-            </a:r>
-            <a:endParaRPr lang="en-US" sz="2800" b="0" strike="noStrike" spc="-1" dirty="0">
-              <a:latin typeface="Calibri" panose="020F0502020204030204" pitchFamily="34" charset="0"/>
-              <a:cs typeface="Calibri" panose="020F0502020204030204" pitchFamily="34" charset="0"/>
+              </a:rPr>
+              <a:t>Short video about our group -&gt;</a:t>
+            </a:r>
+            <a:r>
+              <a:rPr lang="en-US" sz="2800" spc="-1" dirty="0">
+                <a:solidFill>
+                  <a:srgbClr val="000000"/>
+                </a:solidFill>
+              </a:rPr>
+              <a:t> </a:t>
+            </a:r>
+            <a:r>
+              <a:rPr lang="en-US" sz="2800" spc="-1" dirty="0">
+                <a:solidFill>
+                  <a:srgbClr val="000000"/>
+                </a:solidFill>
+                <a:hlinkClick r:id="rId3"/>
+              </a:rPr>
+              <a:t>https://</a:t>
+            </a:r>
+            <a:r>
+              <a:rPr lang="en-US" sz="2800" spc="-1" dirty="0" smtClean="0">
+                <a:solidFill>
+                  <a:srgbClr val="000000"/>
+                </a:solidFill>
+                <a:hlinkClick r:id="rId3"/>
+              </a:rPr>
+              <a:t>tinyurl.com/u3ytuls</a:t>
+            </a:r>
+            <a:endParaRPr lang="en-US" sz="2800" spc="-1" dirty="0" smtClean="0">
+              <a:solidFill>
+                <a:srgbClr val="000000"/>
+              </a:solidFill>
+            </a:endParaRPr>
+          </a:p>
+          <a:p>
+            <a:pPr marL="228600" indent="-228240">
+              <a:lnSpc>
+                <a:spcPct val="90000"/>
+              </a:lnSpc>
+              <a:spcBef>
+                <a:spcPts val="1001"/>
+              </a:spcBef>
+              <a:buClr>
+                <a:srgbClr val="000000"/>
+              </a:buClr>
+              <a:buFont typeface="Arial"/>
+              <a:buChar char="•"/>
+            </a:pPr>
+            <a:r>
+              <a:rPr lang="en-US" sz="2800" spc="-1" dirty="0" smtClean="0">
+                <a:solidFill>
+                  <a:srgbClr val="000000"/>
+                </a:solidFill>
+              </a:rPr>
+              <a:t>More info:</a:t>
+            </a:r>
+          </a:p>
+          <a:p>
+            <a:pPr marL="685800" lvl="1" indent="-228240">
+              <a:lnSpc>
+                <a:spcPct val="90000"/>
+              </a:lnSpc>
+              <a:spcBef>
+                <a:spcPts val="1001"/>
+              </a:spcBef>
+              <a:buClr>
+                <a:srgbClr val="000000"/>
+              </a:buClr>
+              <a:buFont typeface="Arial"/>
+              <a:buChar char="•"/>
+            </a:pPr>
+            <a:r>
+              <a:rPr lang="en-US" sz="2800" spc="-1" dirty="0" smtClean="0">
+                <a:solidFill>
+                  <a:srgbClr val="000000"/>
+                </a:solidFill>
+              </a:rPr>
+              <a:t>Email: damorim@cin.ufpe.br</a:t>
+            </a:r>
+          </a:p>
+          <a:p>
+            <a:pPr marL="685800" lvl="1" indent="-228240">
+              <a:lnSpc>
+                <a:spcPct val="90000"/>
+              </a:lnSpc>
+              <a:spcBef>
+                <a:spcPts val="1001"/>
+              </a:spcBef>
+              <a:buClr>
+                <a:srgbClr val="000000"/>
+              </a:buClr>
+              <a:buFont typeface="Arial"/>
+              <a:buChar char="•"/>
+            </a:pPr>
+            <a:r>
+              <a:rPr lang="en-US" sz="2800" spc="-1" dirty="0" smtClean="0">
+                <a:solidFill>
+                  <a:srgbClr val="000000"/>
+                </a:solidFill>
+              </a:rPr>
+              <a:t>Web: http://www.cin.ufpe.br/~damorim</a:t>
+            </a:r>
+            <a:endParaRPr lang="en-US" sz="2800" spc="-1" dirty="0">
+              <a:solidFill>
+                <a:srgbClr val="000000"/>
+              </a:solidFill>
+            </a:endParaRPr>
+          </a:p>
+          <a:p>
+            <a:pPr marL="228600" indent="-228240">
+              <a:lnSpc>
+                <a:spcPct val="90000"/>
+              </a:lnSpc>
+              <a:spcBef>
+                <a:spcPts val="1001"/>
+              </a:spcBef>
+              <a:buClr>
+                <a:srgbClr val="000000"/>
+              </a:buClr>
+              <a:buFont typeface="Arial"/>
+              <a:buChar char="•"/>
+            </a:pPr>
+            <a:endParaRPr lang="en-US" sz="2800" spc="-1" dirty="0" smtClean="0">
+              <a:solidFill>
+                <a:srgbClr val="000000"/>
+              </a:solidFill>
+            </a:endParaRPr>
+          </a:p>
+          <a:p>
+            <a:pPr marL="228600" indent="-228240">
+              <a:lnSpc>
+                <a:spcPct val="90000"/>
+              </a:lnSpc>
+              <a:spcBef>
+                <a:spcPts val="1001"/>
+              </a:spcBef>
+              <a:buClr>
+                <a:srgbClr val="000000"/>
+              </a:buClr>
+              <a:buFont typeface="Arial"/>
+              <a:buChar char="•"/>
+            </a:pPr>
+            <a:endParaRPr lang="en-US" sz="2400" b="0" strike="noStrike" spc="-1" dirty="0">
+              <a:solidFill>
+                <a:srgbClr val="000000"/>
+              </a:solidFill>
+              <a:latin typeface="Calibri"/>
             </a:endParaRPr>
           </a:p>
         </p:txBody>
@@ -7467,7 +7830,7 @@
     </p:spTree>
     <p:extLst>
       <p:ext uri="{BB962C8B-B14F-4D97-AF65-F5344CB8AC3E}">
-        <p14:creationId xmlns:p14="http://schemas.microsoft.com/office/powerpoint/2010/main" val="2505668133"/>
+        <p14:creationId xmlns:p14="http://schemas.microsoft.com/office/powerpoint/2010/main" val="619052866"/>
       </p:ext>
     </p:extLst>
   </p:cSld>
@@ -7477,7 +7840,27 @@
   <p:timing>
     <p:tnLst>
       <p:par>
-        <p:cTn id="1" dur="indefinite" restart="never" nodeType="tmRoot"/>
+        <p:cTn id="1" dur="indefinite" restart="never" nodeType="tmRoot">
+          <p:childTnLst>
+            <p:seq>
+              <p:cTn id="2" dur="indefinite" nodeType="mainSeq"/>
+              <p:prevCondLst>
+                <p:cond evt="onPrev" delay="0">
+                  <p:tgtEl>
+                    <p:sldTgt/>
+                  </p:tgtEl>
+                </p:cond>
+              </p:prevCondLst>
+              <p:nextCondLst>
+                <p:cond evt="onNext" delay="0">
+                  <p:tgtEl>
+                    <p:sldTgt/>
+                  </p:tgtEl>
+                </p:cond>
+              </p:nextCondLst>
+            </p:seq>
+          </p:childTnLst>
+        </p:cTn>
       </p:par>
     </p:tnLst>
   </p:timing>
@@ -7536,7 +7919,7 @@
                 </a:solidFill>
                 <a:latin typeface="Calibri Light"/>
               </a:rPr>
-              <a:t>If you are curious…</a:t>
+              <a:t>Considering working with us?</a:t>
             </a:r>
             <a:endParaRPr lang="en-US" sz="4400" b="0" strike="noStrike" spc="-1" dirty="0">
               <a:solidFill>
@@ -7555,8 +7938,8 @@
         </p:nvSpPr>
         <p:spPr>
           <a:xfrm>
-            <a:off x="838080" y="1825560"/>
-            <a:ext cx="11208960" cy="4350960"/>
+            <a:off x="838080" y="3276600"/>
+            <a:ext cx="11208960" cy="2899920"/>
           </a:xfrm>
           <a:prstGeom prst="rect">
             <a:avLst/>
@@ -7584,30 +7967,17 @@
               <a:buChar char="•"/>
             </a:pPr>
             <a:r>
-              <a:rPr lang="en-US" sz="2800" spc="-1" dirty="0" smtClean="0">
+              <a:rPr lang="en-US" sz="2400" b="0" strike="noStrike" spc="-1" dirty="0" smtClean="0">
                 <a:solidFill>
                   <a:srgbClr val="000000"/>
                 </a:solidFill>
                 <a:latin typeface="Calibri"/>
               </a:rPr>
-              <a:t>Short video about our department -&gt; </a:t>
-            </a:r>
-            <a:r>
-              <a:rPr lang="en-US" sz="2800" dirty="0">
-                <a:hlinkClick r:id="rId2"/>
-              </a:rPr>
-              <a:t>https://</a:t>
-            </a:r>
-            <a:r>
-              <a:rPr lang="en-US" sz="2800" dirty="0" smtClean="0">
-                <a:hlinkClick r:id="rId2"/>
-              </a:rPr>
-              <a:t>tinyurl.com/wl68cvx</a:t>
-            </a:r>
-            <a:endParaRPr lang="en-US" sz="2800" dirty="0" smtClean="0"/>
-          </a:p>
-          <a:p>
-            <a:pPr marL="228600" indent="-228240">
+              <a:t>About fellowship</a:t>
+            </a:r>
+          </a:p>
+          <a:p>
+            <a:pPr marL="685800" lvl="1" indent="-228240">
               <a:lnSpc>
                 <a:spcPct val="90000"/>
               </a:lnSpc>
@@ -7621,47 +7991,82 @@
               <a:buChar char="•"/>
             </a:pPr>
             <a:r>
-              <a:rPr lang="en-US" sz="2800" spc="-1" dirty="0" smtClean="0">
-                <a:solidFill>
-                  <a:srgbClr val="000000"/>
-                </a:solidFill>
-              </a:rPr>
-              <a:t>Short video about our group -&gt;</a:t>
-            </a:r>
-            <a:r>
-              <a:rPr lang="en-US" sz="2800" spc="-1" dirty="0">
-                <a:solidFill>
-                  <a:srgbClr val="000000"/>
-                </a:solidFill>
-              </a:rPr>
-              <a:t> </a:t>
-            </a:r>
-            <a:r>
-              <a:rPr lang="en-US" sz="2800" spc="-1" dirty="0">
-                <a:solidFill>
-                  <a:srgbClr val="000000"/>
-                </a:solidFill>
-                <a:hlinkClick r:id="rId3"/>
-              </a:rPr>
-              <a:t>https://</a:t>
-            </a:r>
-            <a:r>
-              <a:rPr lang="en-US" sz="2800" spc="-1" dirty="0" smtClean="0">
-                <a:solidFill>
-                  <a:srgbClr val="000000"/>
-                </a:solidFill>
-                <a:hlinkClick r:id="rId3"/>
-              </a:rPr>
-              <a:t>tinyurl.com/u3ytuls</a:t>
-            </a:r>
-            <a:endParaRPr lang="en-US" sz="2800" spc="-1" dirty="0" smtClean="0">
-              <a:solidFill>
-                <a:srgbClr val="000000"/>
-              </a:solidFill>
-            </a:endParaRPr>
-          </a:p>
-          <a:p>
-            <a:pPr marL="228600" indent="-228240">
+              <a:rPr lang="en-US" sz="2400" b="0" strike="noStrike" spc="-1" dirty="0" smtClean="0">
+                <a:solidFill>
+                  <a:srgbClr val="000000"/>
+                </a:solidFill>
+                <a:latin typeface="Calibri"/>
+              </a:rPr>
+              <a:t>Sources: Program </a:t>
+            </a:r>
+            <a:r>
+              <a:rPr lang="en-US" sz="2400" spc="-1" dirty="0">
+                <a:solidFill>
+                  <a:srgbClr val="000000"/>
+                </a:solidFill>
+              </a:rPr>
+              <a:t>pays </a:t>
+            </a:r>
+            <a:r>
+              <a:rPr lang="en-US" sz="2400" spc="-1" dirty="0" smtClean="0">
+                <a:solidFill>
+                  <a:srgbClr val="000000"/>
+                </a:solidFill>
+              </a:rPr>
+              <a:t>(</a:t>
+            </a:r>
+            <a:r>
+              <a:rPr lang="en-US" sz="2400" spc="-1" dirty="0">
+                <a:solidFill>
+                  <a:srgbClr val="000000"/>
+                </a:solidFill>
+              </a:rPr>
+              <a:t>s</a:t>
+            </a:r>
+            <a:r>
+              <a:rPr lang="en-US" sz="2400" spc="-1" dirty="0" smtClean="0">
+                <a:solidFill>
+                  <a:srgbClr val="000000"/>
+                </a:solidFill>
+              </a:rPr>
+              <a:t>tudent </a:t>
+            </a:r>
+            <a:r>
+              <a:rPr lang="en-US" sz="2400" spc="-1" dirty="0">
+                <a:solidFill>
+                  <a:srgbClr val="000000"/>
+                </a:solidFill>
+              </a:rPr>
+              <a:t>ranks </a:t>
+            </a:r>
+            <a:r>
+              <a:rPr lang="en-US" sz="2400" spc="-1" dirty="0" smtClean="0">
+                <a:solidFill>
+                  <a:srgbClr val="000000"/>
+                </a:solidFill>
+              </a:rPr>
+              <a:t>in the </a:t>
+            </a:r>
+            <a:r>
+              <a:rPr lang="en-US" sz="2400" spc="-1" dirty="0">
+                <a:solidFill>
+                  <a:srgbClr val="000000"/>
+                </a:solidFill>
+              </a:rPr>
+              <a:t>top-20s</a:t>
+            </a:r>
+            <a:r>
+              <a:rPr lang="en-US" sz="2400" b="0" strike="noStrike" spc="-1" dirty="0" smtClean="0">
+                <a:solidFill>
+                  <a:srgbClr val="000000"/>
+                </a:solidFill>
+                <a:latin typeface="Calibri"/>
+              </a:rPr>
+              <a:t>) XOR state agency pays (advisor needs to prepare proposal to state agency) XOR project pays</a:t>
+            </a:r>
+          </a:p>
+          <a:p>
+            <a:pPr marL="685800" lvl="1" indent="-228240">
               <a:lnSpc>
                 <a:spcPct val="90000"/>
               </a:lnSpc>
@@ -7675,16 +8080,44 @@
               <a:buChar char="•"/>
             </a:pPr>
             <a:r>
-              <a:rPr lang="en-US" sz="2800" spc="-1" dirty="0" smtClean="0">
-                <a:solidFill>
-                  <a:srgbClr val="000000"/>
-                </a:solidFill>
-              </a:rPr>
-              <a:t>More info:</a:t>
-            </a:r>
-          </a:p>
-          <a:p>
-            <a:pPr marL="685800" lvl="1" indent="-228240">
+              <a:rPr lang="en-US" sz="2400" b="0" strike="noStrike" spc="-1" dirty="0" smtClean="0">
+                <a:solidFill>
+                  <a:srgbClr val="000000"/>
+                </a:solidFill>
+                <a:latin typeface="Calibri"/>
+              </a:rPr>
+              <a:t>Stipend ~R$2,600 free of</a:t>
+            </a:r>
+            <a:r>
+              <a:rPr lang="en-US" sz="2400" spc="-1" dirty="0" smtClean="0">
+                <a:solidFill>
+                  <a:srgbClr val="000000"/>
+                </a:solidFill>
+                <a:latin typeface="Calibri"/>
+              </a:rPr>
+              <a:t> taxes. </a:t>
+            </a:r>
+            <a:r>
+              <a:rPr lang="en-US" sz="2400" spc="-1" dirty="0" err="1" smtClean="0">
+                <a:solidFill>
+                  <a:srgbClr val="000000"/>
+                </a:solidFill>
+                <a:latin typeface="Calibri"/>
+              </a:rPr>
+              <a:t>OKish</a:t>
+            </a:r>
+            <a:r>
+              <a:rPr lang="en-US" sz="2400" spc="-1" dirty="0" smtClean="0">
+                <a:solidFill>
+                  <a:srgbClr val="000000"/>
+                </a:solidFill>
+                <a:latin typeface="Calibri"/>
+              </a:rPr>
+              <a:t> for living close to the University.</a:t>
+            </a:r>
+          </a:p>
+          <a:p>
+            <a:pPr marL="228600" indent="-228240">
               <a:lnSpc>
                 <a:spcPct val="90000"/>
               </a:lnSpc>
@@ -7698,13 +8131,19 @@
               <a:buChar char="•"/>
             </a:pPr>
             <a:r>
-              <a:rPr lang="en-US" sz="2800" spc="-1" dirty="0" smtClean="0">
-                <a:solidFill>
-                  <a:srgbClr val="000000"/>
-                </a:solidFill>
-              </a:rPr>
-              <a:t>Email: damorim@cin.ufpe.br</a:t>
-            </a:r>
+              <a:rPr lang="en-US" sz="2400" spc="-1" dirty="0" smtClean="0">
+                <a:solidFill>
+                  <a:srgbClr val="000000"/>
+                </a:solidFill>
+              </a:rPr>
+              <a:t>Complements of funding</a:t>
+            </a:r>
+            <a:endParaRPr lang="en-US" sz="2400" spc="-1" dirty="0" smtClean="0">
+              <a:solidFill>
+                <a:srgbClr val="000000"/>
+              </a:solidFill>
+              <a:latin typeface="Calibri"/>
+            </a:endParaRPr>
           </a:p>
           <a:p>
             <a:pPr marL="685800" lvl="1" indent="-228240">
@@ -7721,21 +8160,32 @@
               <a:buChar char="•"/>
             </a:pPr>
             <a:r>
-              <a:rPr lang="en-US" sz="2800" spc="-1" dirty="0" smtClean="0">
-                <a:solidFill>
-                  <a:srgbClr val="000000"/>
-                </a:solidFill>
-              </a:rPr>
-              <a:t>Web: http://www.cin.ufpe.br/~damorim</a:t>
-            </a:r>
-            <a:endParaRPr lang="en-US" sz="2800" spc="-1" dirty="0">
-              <a:solidFill>
-                <a:srgbClr val="000000"/>
-              </a:solidFill>
-            </a:endParaRPr>
-          </a:p>
-          <a:p>
-            <a:pPr marL="228600" indent="-228240">
+              <a:rPr lang="en-US" sz="2400" spc="-1" dirty="0">
+                <a:solidFill>
+                  <a:srgbClr val="000000"/>
+                </a:solidFill>
+              </a:rPr>
+              <a:t>Lots (really) of different opportunities for summer </a:t>
+            </a:r>
+            <a:r>
+              <a:rPr lang="en-US" sz="2400" spc="-1" dirty="0" smtClean="0">
+                <a:solidFill>
+                  <a:srgbClr val="000000"/>
+                </a:solidFill>
+              </a:rPr>
+              <a:t>internships </a:t>
+            </a:r>
+            <a:r>
+              <a:rPr lang="en-US" sz="2400" spc="-1" dirty="0">
+                <a:solidFill>
+                  <a:srgbClr val="000000"/>
+                </a:solidFill>
+              </a:rPr>
+              <a:t>abroad</a:t>
+            </a:r>
+          </a:p>
+          <a:p>
+            <a:pPr marL="685800" lvl="1" indent="-228240">
               <a:lnSpc>
                 <a:spcPct val="90000"/>
               </a:lnSpc>
@@ -7748,10 +8198,20 @@
               <a:buFont typeface="Arial"/>
               <a:buChar char="•"/>
             </a:pPr>
-            <a:endParaRPr lang="en-US" sz="2800" spc="-1" dirty="0" smtClean="0">
+            <a:r>
+              <a:rPr lang="en-US" sz="2400" spc="-1" dirty="0" smtClean="0">
+                <a:solidFill>
+                  <a:srgbClr val="000000"/>
+                </a:solidFill>
+                <a:latin typeface="Calibri"/>
+              </a:rPr>
+              <a:t>Being a Teaching Assistant in a Professional Masters course                                                              (Once a year it pays ~2 salaries for a two-week job of work)</a:t>
+            </a:r>
+            <a:endParaRPr lang="en-US" sz="2400" b="0" strike="noStrike" spc="-1" dirty="0" smtClean="0">
               <a:solidFill>
                 <a:srgbClr val="000000"/>
               </a:solidFill>
+              <a:latin typeface="Calibri"/>
             </a:endParaRPr>
           </a:p>
           <a:p>
@@ -7777,10 +8237,424 @@
           </a:p>
         </p:txBody>
       </p:sp>
+      <p:sp>
+        <p:nvSpPr>
+          <p:cNvPr id="15" name="CaixaDeTexto 14"/>
+          <p:cNvSpPr txBox="1"/>
+          <p:nvPr/>
+        </p:nvSpPr>
+        <p:spPr>
+          <a:xfrm>
+            <a:off x="4810771" y="2057400"/>
+            <a:ext cx="655949" cy="369332"/>
+          </a:xfrm>
+          <a:prstGeom prst="rect">
+            <a:avLst/>
+          </a:prstGeom>
+          <a:noFill/>
+        </p:spPr>
+        <p:txBody>
+          <a:bodyPr wrap="none" rtlCol="0">
+            <a:spAutoFit/>
+          </a:bodyPr>
+          <a:lstStyle/>
+          <a:p>
+            <a:r>
+              <a:rPr lang="en-US" b="1" dirty="0" smtClean="0">
+                <a:solidFill>
+                  <a:srgbClr val="00B050"/>
+                </a:solidFill>
+              </a:rPr>
+              <a:t>MAR</a:t>
+            </a:r>
+            <a:endParaRPr lang="en-US" b="1" dirty="0">
+              <a:solidFill>
+                <a:srgbClr val="00B050"/>
+              </a:solidFill>
+            </a:endParaRPr>
+          </a:p>
+        </p:txBody>
+      </p:sp>
+      <p:sp>
+        <p:nvSpPr>
+          <p:cNvPr id="17" name="CaixaDeTexto 16"/>
+          <p:cNvSpPr txBox="1"/>
+          <p:nvPr/>
+        </p:nvSpPr>
+        <p:spPr>
+          <a:xfrm>
+            <a:off x="4122830" y="2072858"/>
+            <a:ext cx="624723" cy="369332"/>
+          </a:xfrm>
+          <a:prstGeom prst="rect">
+            <a:avLst/>
+          </a:prstGeom>
+          <a:noFill/>
+        </p:spPr>
+        <p:txBody>
+          <a:bodyPr wrap="none" rtlCol="0">
+            <a:spAutoFit/>
+          </a:bodyPr>
+          <a:lstStyle/>
+          <a:p>
+            <a:r>
+              <a:rPr lang="en-US" b="1" dirty="0" smtClean="0">
+                <a:solidFill>
+                  <a:srgbClr val="0070C0"/>
+                </a:solidFill>
+              </a:rPr>
+              <a:t>NOV</a:t>
+            </a:r>
+            <a:endParaRPr lang="en-US" b="1" dirty="0">
+              <a:solidFill>
+                <a:srgbClr val="0070C0"/>
+              </a:solidFill>
+            </a:endParaRPr>
+          </a:p>
+        </p:txBody>
+      </p:sp>
+      <p:sp>
+        <p:nvSpPr>
+          <p:cNvPr id="18" name="CustomShape 6"/>
+          <p:cNvSpPr/>
+          <p:nvPr/>
+        </p:nvSpPr>
+        <p:spPr>
+          <a:xfrm>
+            <a:off x="5847720" y="2050200"/>
+            <a:ext cx="593280" cy="384480"/>
+          </a:xfrm>
+          <a:prstGeom prst="rect">
+            <a:avLst/>
+          </a:prstGeom>
+          <a:solidFill>
+            <a:schemeClr val="accent1"/>
+          </a:solidFill>
+          <a:ln>
+            <a:solidFill>
+              <a:schemeClr val="tx1"/>
+            </a:solidFill>
+          </a:ln>
+        </p:spPr>
+        <p:style>
+          <a:lnRef idx="2">
+            <a:schemeClr val="accent1">
+              <a:shade val="50000"/>
+            </a:schemeClr>
+          </a:lnRef>
+          <a:fillRef idx="1">
+            <a:schemeClr val="accent1"/>
+          </a:fillRef>
+          <a:effectRef idx="0">
+            <a:schemeClr val="accent1"/>
+          </a:effectRef>
+          <a:fontRef idx="minor"/>
+        </p:style>
+      </p:sp>
+      <p:sp>
+        <p:nvSpPr>
+          <p:cNvPr id="19" name="CustomShape 7"/>
+          <p:cNvSpPr/>
+          <p:nvPr/>
+        </p:nvSpPr>
+        <p:spPr>
+          <a:xfrm>
+            <a:off x="6533520" y="2066040"/>
+            <a:ext cx="1086480" cy="364680"/>
+          </a:xfrm>
+          <a:prstGeom prst="rect">
+            <a:avLst/>
+          </a:prstGeom>
+          <a:noFill/>
+          <a:ln>
+            <a:noFill/>
+          </a:ln>
+        </p:spPr>
+        <p:style>
+          <a:lnRef idx="0">
+            <a:scrgbClr r="0" g="0" b="0"/>
+          </a:lnRef>
+          <a:fillRef idx="0">
+            <a:scrgbClr r="0" g="0" b="0"/>
+          </a:fillRef>
+          <a:effectRef idx="0">
+            <a:scrgbClr r="0" g="0" b="0"/>
+          </a:effectRef>
+          <a:fontRef idx="minor"/>
+        </p:style>
+        <p:txBody>
+          <a:bodyPr wrap="none" lIns="90000" tIns="45000" rIns="90000" bIns="45000"/>
+          <a:lstStyle/>
+          <a:p>
+            <a:pPr>
+              <a:lnSpc>
+                <a:spcPct val="100000"/>
+              </a:lnSpc>
+            </a:pPr>
+            <a:r>
+              <a:rPr lang="en-US" sz="1800" b="0" strike="noStrike" spc="-1" dirty="0" smtClean="0">
+                <a:solidFill>
+                  <a:srgbClr val="000000"/>
+                </a:solidFill>
+                <a:latin typeface="Calibri"/>
+              </a:rPr>
+              <a:t>application</a:t>
+            </a:r>
+            <a:endParaRPr lang="en-US" sz="1800" b="0" strike="noStrike" spc="-1" dirty="0">
+              <a:latin typeface="Arial"/>
+            </a:endParaRPr>
+          </a:p>
+        </p:txBody>
+      </p:sp>
+      <p:sp>
+        <p:nvSpPr>
+          <p:cNvPr id="20" name="CustomShape 8"/>
+          <p:cNvSpPr/>
+          <p:nvPr/>
+        </p:nvSpPr>
+        <p:spPr>
+          <a:xfrm>
+            <a:off x="5847720" y="2476480"/>
+            <a:ext cx="593280" cy="384480"/>
+          </a:xfrm>
+          <a:prstGeom prst="rect">
+            <a:avLst/>
+          </a:prstGeom>
+          <a:solidFill>
+            <a:srgbClr val="00B050"/>
+          </a:solidFill>
+          <a:ln>
+            <a:solidFill>
+              <a:schemeClr val="tx1"/>
+            </a:solidFill>
+          </a:ln>
+        </p:spPr>
+        <p:style>
+          <a:lnRef idx="2">
+            <a:schemeClr val="accent1">
+              <a:shade val="50000"/>
+            </a:schemeClr>
+          </a:lnRef>
+          <a:fillRef idx="1">
+            <a:schemeClr val="accent1"/>
+          </a:fillRef>
+          <a:effectRef idx="0">
+            <a:schemeClr val="accent1"/>
+          </a:effectRef>
+          <a:fontRef idx="minor"/>
+        </p:style>
+      </p:sp>
+      <p:sp>
+        <p:nvSpPr>
+          <p:cNvPr id="21" name="CustomShape 9"/>
+          <p:cNvSpPr/>
+          <p:nvPr/>
+        </p:nvSpPr>
+        <p:spPr>
+          <a:xfrm>
+            <a:off x="6547440" y="2476480"/>
+            <a:ext cx="748080" cy="364680"/>
+          </a:xfrm>
+          <a:prstGeom prst="rect">
+            <a:avLst/>
+          </a:prstGeom>
+          <a:noFill/>
+          <a:ln>
+            <a:noFill/>
+          </a:ln>
+        </p:spPr>
+        <p:style>
+          <a:lnRef idx="0">
+            <a:scrgbClr r="0" g="0" b="0"/>
+          </a:lnRef>
+          <a:fillRef idx="0">
+            <a:scrgbClr r="0" g="0" b="0"/>
+          </a:fillRef>
+          <a:effectRef idx="0">
+            <a:scrgbClr r="0" g="0" b="0"/>
+          </a:effectRef>
+          <a:fontRef idx="minor"/>
+        </p:style>
+        <p:txBody>
+          <a:bodyPr wrap="none" lIns="90000" tIns="45000" rIns="90000" bIns="45000"/>
+          <a:lstStyle/>
+          <a:p>
+            <a:pPr>
+              <a:lnSpc>
+                <a:spcPct val="100000"/>
+              </a:lnSpc>
+            </a:pPr>
+            <a:r>
+              <a:rPr lang="en-US" sz="1800" b="0" strike="noStrike" spc="-1" dirty="0" smtClean="0">
+                <a:solidFill>
+                  <a:srgbClr val="000000"/>
+                </a:solidFill>
+                <a:latin typeface="Calibri"/>
+              </a:rPr>
+              <a:t>enrollment</a:t>
+            </a:r>
+            <a:endParaRPr lang="en-US" sz="1800" b="0" strike="noStrike" spc="-1" dirty="0">
+              <a:latin typeface="Arial"/>
+            </a:endParaRPr>
+          </a:p>
+        </p:txBody>
+      </p:sp>
+      <p:sp>
+        <p:nvSpPr>
+          <p:cNvPr id="22" name="CaixaDeTexto 21"/>
+          <p:cNvSpPr txBox="1"/>
+          <p:nvPr/>
+        </p:nvSpPr>
+        <p:spPr>
+          <a:xfrm>
+            <a:off x="4866191" y="2526268"/>
+            <a:ext cx="510076" cy="369332"/>
+          </a:xfrm>
+          <a:prstGeom prst="rect">
+            <a:avLst/>
+          </a:prstGeom>
+          <a:noFill/>
+        </p:spPr>
+        <p:txBody>
+          <a:bodyPr wrap="none" rtlCol="0">
+            <a:spAutoFit/>
+          </a:bodyPr>
+          <a:lstStyle/>
+          <a:p>
+            <a:r>
+              <a:rPr lang="en-US" b="1" dirty="0" smtClean="0">
+                <a:solidFill>
+                  <a:srgbClr val="00B050"/>
+                </a:solidFill>
+              </a:rPr>
+              <a:t>JUL</a:t>
+            </a:r>
+            <a:endParaRPr lang="en-US" b="1" dirty="0">
+              <a:solidFill>
+                <a:srgbClr val="00B050"/>
+              </a:solidFill>
+            </a:endParaRPr>
+          </a:p>
+        </p:txBody>
+      </p:sp>
+      <p:sp>
+        <p:nvSpPr>
+          <p:cNvPr id="23" name="CaixaDeTexto 22"/>
+          <p:cNvSpPr txBox="1"/>
+          <p:nvPr/>
+        </p:nvSpPr>
+        <p:spPr>
+          <a:xfrm>
+            <a:off x="4122829" y="2526268"/>
+            <a:ext cx="627479" cy="369332"/>
+          </a:xfrm>
+          <a:prstGeom prst="rect">
+            <a:avLst/>
+          </a:prstGeom>
+          <a:noFill/>
+        </p:spPr>
+        <p:txBody>
+          <a:bodyPr wrap="none" rtlCol="0">
+            <a:spAutoFit/>
+          </a:bodyPr>
+          <a:lstStyle/>
+          <a:p>
+            <a:r>
+              <a:rPr lang="en-US" b="1" dirty="0" smtClean="0">
+                <a:solidFill>
+                  <a:srgbClr val="0070C0"/>
+                </a:solidFill>
+              </a:rPr>
+              <a:t>MAY</a:t>
+            </a:r>
+            <a:endParaRPr lang="en-US" b="1" dirty="0">
+              <a:solidFill>
+                <a:srgbClr val="0070C0"/>
+              </a:solidFill>
+            </a:endParaRPr>
+          </a:p>
+        </p:txBody>
+      </p:sp>
+      <p:sp>
+        <p:nvSpPr>
+          <p:cNvPr id="24" name="CaixaDeTexto 23"/>
+          <p:cNvSpPr txBox="1"/>
+          <p:nvPr/>
+        </p:nvSpPr>
+        <p:spPr>
+          <a:xfrm>
+            <a:off x="3028320" y="2057400"/>
+            <a:ext cx="962636" cy="369332"/>
+          </a:xfrm>
+          <a:prstGeom prst="rect">
+            <a:avLst/>
+          </a:prstGeom>
+          <a:noFill/>
+        </p:spPr>
+        <p:txBody>
+          <a:bodyPr wrap="none" rtlCol="0">
+            <a:spAutoFit/>
+          </a:bodyPr>
+          <a:lstStyle/>
+          <a:p>
+            <a:r>
+              <a:rPr lang="en-US" dirty="0" smtClean="0"/>
+              <a:t>1</a:t>
+            </a:r>
+            <a:r>
+              <a:rPr lang="en-US" baseline="30000" dirty="0" smtClean="0"/>
+              <a:t>st</a:t>
+            </a:r>
+            <a:r>
+              <a:rPr lang="en-US" dirty="0" smtClean="0"/>
+              <a:t> entry</a:t>
+            </a:r>
+            <a:endParaRPr lang="en-US" dirty="0"/>
+          </a:p>
+        </p:txBody>
+      </p:sp>
+      <p:sp>
+        <p:nvSpPr>
+          <p:cNvPr id="25" name="CaixaDeTexto 24"/>
+          <p:cNvSpPr txBox="1"/>
+          <p:nvPr/>
+        </p:nvSpPr>
+        <p:spPr>
+          <a:xfrm>
+            <a:off x="3028320" y="2519341"/>
+            <a:ext cx="1012457" cy="369332"/>
+          </a:xfrm>
+          <a:prstGeom prst="rect">
+            <a:avLst/>
+          </a:prstGeom>
+          <a:noFill/>
+        </p:spPr>
+        <p:txBody>
+          <a:bodyPr wrap="none" rtlCol="0">
+            <a:spAutoFit/>
+          </a:bodyPr>
+          <a:lstStyle/>
+          <a:p>
+            <a:r>
+              <a:rPr lang="en-US" dirty="0" smtClean="0"/>
+              <a:t>2</a:t>
+            </a:r>
+            <a:r>
+              <a:rPr lang="en-US" baseline="30000" dirty="0" smtClean="0"/>
+              <a:t>nd</a:t>
+            </a:r>
+            <a:r>
+              <a:rPr lang="en-US" dirty="0" smtClean="0"/>
+              <a:t> entry</a:t>
+            </a:r>
+            <a:endParaRPr lang="en-US" dirty="0"/>
+          </a:p>
+        </p:txBody>
+      </p:sp>
     </p:spTree>
     <p:extLst>
       <p:ext uri="{BB962C8B-B14F-4D97-AF65-F5344CB8AC3E}">
-        <p14:creationId xmlns:p14="http://schemas.microsoft.com/office/powerpoint/2010/main" val="619052866"/>
+        <p14:creationId xmlns:p14="http://schemas.microsoft.com/office/powerpoint/2010/main" val="3783701853"/>
       </p:ext>
     </p:extLst>
   </p:cSld>
@@ -7836,775 +8710,45 @@
       </p:grpSpPr>
       <p:sp>
         <p:nvSpPr>
-          <p:cNvPr id="282" name="TextShape 1"/>
-          <p:cNvSpPr txBox="1"/>
-          <p:nvPr/>
+          <p:cNvPr id="2" name="Subtítulo 1"/>
+          <p:cNvSpPr>
+            <a:spLocks noGrp="1"/>
+          </p:cNvSpPr>
+          <p:nvPr>
+            <p:ph type="subTitle"/>
+          </p:nvPr>
         </p:nvSpPr>
-        <p:spPr>
-          <a:xfrm>
-            <a:off x="838080" y="365040"/>
-            <a:ext cx="10515240" cy="1325160"/>
-          </a:xfrm>
-          <a:prstGeom prst="rect">
-            <a:avLst/>
-          </a:prstGeom>
-          <a:noFill/>
-          <a:ln>
-            <a:noFill/>
-          </a:ln>
-        </p:spPr>
-        <p:txBody>
-          <a:bodyPr anchor="ctr"/>
-          <a:lstStyle/>
-          <a:p>
-            <a:pPr>
-              <a:lnSpc>
-                <a:spcPct val="90000"/>
-              </a:lnSpc>
-            </a:pPr>
-            <a:r>
-              <a:rPr lang="en-US" sz="4400" b="0" strike="noStrike" spc="-1" dirty="0" smtClean="0">
-                <a:solidFill>
-                  <a:srgbClr val="000000"/>
-                </a:solidFill>
-                <a:latin typeface="Calibri Light"/>
-              </a:rPr>
-              <a:t>Considering working with us?</a:t>
-            </a:r>
-            <a:endParaRPr lang="en-US" sz="4400" b="0" strike="noStrike" spc="-1" dirty="0">
-              <a:solidFill>
-                <a:srgbClr val="000000"/>
-              </a:solidFill>
-              <a:latin typeface="Calibri"/>
-            </a:endParaRPr>
-          </a:p>
-        </p:txBody>
-      </p:sp>
-      <p:sp>
-        <p:nvSpPr>
-          <p:cNvPr id="283" name="TextShape 2"/>
-          <p:cNvSpPr txBox="1"/>
-          <p:nvPr/>
-        </p:nvSpPr>
-        <p:spPr>
-          <a:xfrm>
-            <a:off x="838080" y="3276600"/>
-            <a:ext cx="11208960" cy="2899920"/>
-          </a:xfrm>
-          <a:prstGeom prst="rect">
-            <a:avLst/>
-          </a:prstGeom>
-          <a:noFill/>
-          <a:ln>
-            <a:noFill/>
-          </a:ln>
-        </p:spPr>
+        <p:spPr/>
         <p:txBody>
           <a:bodyPr/>
           <a:lstStyle/>
           <a:p>
-            <a:pPr marL="228600" indent="-228240">
-              <a:lnSpc>
-                <a:spcPct val="90000"/>
-              </a:lnSpc>
-              <a:spcBef>
-                <a:spcPts val="1001"/>
-              </a:spcBef>
-              <a:buClr>
-                <a:srgbClr val="000000"/>
-              </a:buClr>
-              <a:buFont typeface="Arial"/>
-              <a:buChar char="•"/>
-            </a:pPr>
-            <a:r>
-              <a:rPr lang="en-US" sz="2400" b="0" strike="noStrike" spc="-1" dirty="0" smtClean="0">
-                <a:solidFill>
-                  <a:srgbClr val="000000"/>
-                </a:solidFill>
-                <a:latin typeface="Calibri"/>
-              </a:rPr>
-              <a:t>About fellowship</a:t>
-            </a:r>
-          </a:p>
-          <a:p>
-            <a:pPr marL="685800" lvl="1" indent="-228240">
-              <a:lnSpc>
-                <a:spcPct val="90000"/>
-              </a:lnSpc>
-              <a:spcBef>
-                <a:spcPts val="1001"/>
-              </a:spcBef>
-              <a:buClr>
-                <a:srgbClr val="000000"/>
-              </a:buClr>
-              <a:buFont typeface="Arial"/>
-              <a:buChar char="•"/>
-            </a:pPr>
-            <a:r>
-              <a:rPr lang="en-US" sz="2400" b="0" strike="noStrike" spc="-1" dirty="0" smtClean="0">
-                <a:solidFill>
-                  <a:srgbClr val="000000"/>
-                </a:solidFill>
-                <a:latin typeface="Calibri"/>
-              </a:rPr>
-              <a:t>Sources: Program </a:t>
-            </a:r>
-            <a:r>
-              <a:rPr lang="en-US" sz="2400" spc="-1" dirty="0">
-                <a:solidFill>
-                  <a:srgbClr val="000000"/>
-                </a:solidFill>
-              </a:rPr>
-              <a:t>pays </a:t>
-            </a:r>
-            <a:r>
-              <a:rPr lang="en-US" sz="2400" spc="-1" dirty="0" smtClean="0">
-                <a:solidFill>
-                  <a:srgbClr val="000000"/>
-                </a:solidFill>
-              </a:rPr>
-              <a:t>(</a:t>
-            </a:r>
-            <a:r>
-              <a:rPr lang="en-US" sz="2400" spc="-1" dirty="0">
-                <a:solidFill>
-                  <a:srgbClr val="000000"/>
-                </a:solidFill>
-              </a:rPr>
-              <a:t>s</a:t>
-            </a:r>
-            <a:r>
-              <a:rPr lang="en-US" sz="2400" spc="-1" dirty="0" smtClean="0">
-                <a:solidFill>
-                  <a:srgbClr val="000000"/>
-                </a:solidFill>
-              </a:rPr>
-              <a:t>tudent </a:t>
-            </a:r>
-            <a:r>
-              <a:rPr lang="en-US" sz="2400" spc="-1" dirty="0">
-                <a:solidFill>
-                  <a:srgbClr val="000000"/>
-                </a:solidFill>
-              </a:rPr>
-              <a:t>ranks </a:t>
-            </a:r>
-            <a:r>
-              <a:rPr lang="en-US" sz="2400" spc="-1" dirty="0" smtClean="0">
-                <a:solidFill>
-                  <a:srgbClr val="000000"/>
-                </a:solidFill>
-              </a:rPr>
-              <a:t>in the </a:t>
-            </a:r>
-            <a:r>
-              <a:rPr lang="en-US" sz="2400" spc="-1" dirty="0">
-                <a:solidFill>
-                  <a:srgbClr val="000000"/>
-                </a:solidFill>
-              </a:rPr>
-              <a:t>top-20s</a:t>
-            </a:r>
-            <a:r>
-              <a:rPr lang="en-US" sz="2400" b="0" strike="noStrike" spc="-1" dirty="0" smtClean="0">
-                <a:solidFill>
-                  <a:srgbClr val="000000"/>
-                </a:solidFill>
-                <a:latin typeface="Calibri"/>
-              </a:rPr>
-              <a:t>) XOR state agency pays (advisor needs to prepare proposal to state agency) XOR project pays</a:t>
-            </a:r>
-          </a:p>
-          <a:p>
-            <a:pPr marL="685800" lvl="1" indent="-228240">
-              <a:lnSpc>
-                <a:spcPct val="90000"/>
-              </a:lnSpc>
-              <a:spcBef>
-                <a:spcPts val="1001"/>
-              </a:spcBef>
-              <a:buClr>
-                <a:srgbClr val="000000"/>
-              </a:buClr>
-              <a:buFont typeface="Arial"/>
-              <a:buChar char="•"/>
-            </a:pPr>
-            <a:r>
-              <a:rPr lang="en-US" sz="2400" b="0" strike="noStrike" spc="-1" dirty="0" smtClean="0">
-                <a:solidFill>
-                  <a:srgbClr val="000000"/>
-                </a:solidFill>
-                <a:latin typeface="Calibri"/>
-              </a:rPr>
-              <a:t>Stipend ~R$2,600 free of</a:t>
-            </a:r>
-            <a:r>
-              <a:rPr lang="en-US" sz="2400" spc="-1" dirty="0" smtClean="0">
-                <a:solidFill>
-                  <a:srgbClr val="000000"/>
-                </a:solidFill>
-                <a:latin typeface="Calibri"/>
-              </a:rPr>
-              <a:t> taxes. </a:t>
-            </a:r>
-            <a:r>
-              <a:rPr lang="en-US" sz="2400" spc="-1" dirty="0" err="1" smtClean="0">
-                <a:solidFill>
-                  <a:srgbClr val="000000"/>
-                </a:solidFill>
-                <a:latin typeface="Calibri"/>
-              </a:rPr>
-              <a:t>OKish</a:t>
-            </a:r>
-            <a:r>
-              <a:rPr lang="en-US" sz="2400" spc="-1" dirty="0" smtClean="0">
-                <a:solidFill>
-                  <a:srgbClr val="000000"/>
-                </a:solidFill>
-                <a:latin typeface="Calibri"/>
-              </a:rPr>
-              <a:t> for living close to the University.</a:t>
-            </a:r>
-          </a:p>
-          <a:p>
-            <a:pPr marL="228600" indent="-228240">
-              <a:lnSpc>
-                <a:spcPct val="90000"/>
-              </a:lnSpc>
-              <a:spcBef>
-                <a:spcPts val="1001"/>
-              </a:spcBef>
-              <a:buClr>
-                <a:srgbClr val="000000"/>
-              </a:buClr>
-              <a:buFont typeface="Arial"/>
-              <a:buChar char="•"/>
-            </a:pPr>
-            <a:r>
-              <a:rPr lang="en-US" sz="2400" spc="-1" dirty="0" smtClean="0">
-                <a:solidFill>
-                  <a:srgbClr val="000000"/>
-                </a:solidFill>
-              </a:rPr>
-              <a:t>Complements of funding</a:t>
-            </a:r>
-            <a:endParaRPr lang="en-US" sz="2400" spc="-1" dirty="0" smtClean="0">
-              <a:solidFill>
-                <a:srgbClr val="000000"/>
-              </a:solidFill>
-              <a:latin typeface="Calibri"/>
-            </a:endParaRPr>
-          </a:p>
-          <a:p>
-            <a:pPr marL="685800" lvl="1" indent="-228240">
-              <a:lnSpc>
-                <a:spcPct val="90000"/>
-              </a:lnSpc>
-              <a:spcBef>
-                <a:spcPts val="1001"/>
-              </a:spcBef>
-              <a:buClr>
-                <a:srgbClr val="000000"/>
-              </a:buClr>
-              <a:buFont typeface="Arial"/>
-              <a:buChar char="•"/>
-            </a:pPr>
-            <a:r>
-              <a:rPr lang="en-US" sz="2400" spc="-1" dirty="0">
-                <a:solidFill>
-                  <a:srgbClr val="000000"/>
-                </a:solidFill>
-              </a:rPr>
-              <a:t>Lots (really) of different opportunities for summer </a:t>
-            </a:r>
-            <a:r>
-              <a:rPr lang="en-US" sz="2400" spc="-1" dirty="0" smtClean="0">
-                <a:solidFill>
-                  <a:srgbClr val="000000"/>
-                </a:solidFill>
-              </a:rPr>
-              <a:t>internships </a:t>
-            </a:r>
-            <a:r>
-              <a:rPr lang="en-US" sz="2400" spc="-1" dirty="0">
-                <a:solidFill>
-                  <a:srgbClr val="000000"/>
-                </a:solidFill>
-              </a:rPr>
-              <a:t>abroad</a:t>
-            </a:r>
-          </a:p>
-          <a:p>
-            <a:pPr marL="685800" lvl="1" indent="-228240">
-              <a:lnSpc>
-                <a:spcPct val="90000"/>
-              </a:lnSpc>
-              <a:spcBef>
-                <a:spcPts val="1001"/>
-              </a:spcBef>
-              <a:buClr>
-                <a:srgbClr val="000000"/>
-              </a:buClr>
-              <a:buFont typeface="Arial"/>
-              <a:buChar char="•"/>
-            </a:pPr>
-            <a:r>
-              <a:rPr lang="en-US" sz="2400" spc="-1" dirty="0" smtClean="0">
-                <a:solidFill>
-                  <a:srgbClr val="000000"/>
-                </a:solidFill>
-                <a:latin typeface="Calibri"/>
-              </a:rPr>
-              <a:t>Being a Teaching Assistant in a Professional Masters course                                                              (Once a year it pays ~2 salaries for a two-week job of work)</a:t>
-            </a:r>
-            <a:endParaRPr lang="en-US" sz="2400" b="0" strike="noStrike" spc="-1" dirty="0" smtClean="0">
-              <a:solidFill>
-                <a:srgbClr val="000000"/>
-              </a:solidFill>
-              <a:latin typeface="Calibri"/>
-            </a:endParaRPr>
-          </a:p>
-          <a:p>
-            <a:pPr marL="228600" indent="-228240">
-              <a:lnSpc>
-                <a:spcPct val="90000"/>
-              </a:lnSpc>
-              <a:spcBef>
-                <a:spcPts val="1001"/>
-              </a:spcBef>
-              <a:buClr>
-                <a:srgbClr val="000000"/>
-              </a:buClr>
-              <a:buFont typeface="Arial"/>
-              <a:buChar char="•"/>
-            </a:pPr>
-            <a:endParaRPr lang="en-US" sz="2400" b="0" strike="noStrike" spc="-1" dirty="0">
-              <a:solidFill>
-                <a:srgbClr val="000000"/>
-              </a:solidFill>
-              <a:latin typeface="Calibri"/>
-            </a:endParaRPr>
-          </a:p>
-        </p:txBody>
-      </p:sp>
-      <p:sp>
-        <p:nvSpPr>
-          <p:cNvPr id="15" name="CaixaDeTexto 14"/>
-          <p:cNvSpPr txBox="1"/>
-          <p:nvPr/>
-        </p:nvSpPr>
-        <p:spPr>
-          <a:xfrm>
-            <a:off x="4810771" y="2057400"/>
-            <a:ext cx="655949" cy="369332"/>
-          </a:xfrm>
-          <a:prstGeom prst="rect">
-            <a:avLst/>
-          </a:prstGeom>
-          <a:noFill/>
-        </p:spPr>
-        <p:txBody>
-          <a:bodyPr wrap="none" rtlCol="0">
-            <a:spAutoFit/>
-          </a:bodyPr>
-          <a:lstStyle/>
-          <a:p>
-            <a:r>
-              <a:rPr lang="en-US" b="1" dirty="0" smtClean="0">
-                <a:solidFill>
-                  <a:srgbClr val="00B050"/>
-                </a:solidFill>
-              </a:rPr>
-              <a:t>MAR</a:t>
-            </a:r>
-            <a:endParaRPr lang="en-US" b="1" dirty="0">
-              <a:solidFill>
-                <a:srgbClr val="00B050"/>
-              </a:solidFill>
-            </a:endParaRPr>
-          </a:p>
-        </p:txBody>
-      </p:sp>
-      <p:sp>
-        <p:nvSpPr>
-          <p:cNvPr id="17" name="CaixaDeTexto 16"/>
-          <p:cNvSpPr txBox="1"/>
-          <p:nvPr/>
-        </p:nvSpPr>
-        <p:spPr>
-          <a:xfrm>
-            <a:off x="4122830" y="2072858"/>
-            <a:ext cx="624723" cy="369332"/>
-          </a:xfrm>
-          <a:prstGeom prst="rect">
-            <a:avLst/>
-          </a:prstGeom>
-          <a:noFill/>
-        </p:spPr>
-        <p:txBody>
-          <a:bodyPr wrap="none" rtlCol="0">
-            <a:spAutoFit/>
-          </a:bodyPr>
-          <a:lstStyle/>
-          <a:p>
-            <a:r>
-              <a:rPr lang="en-US" b="1" dirty="0" smtClean="0">
-                <a:solidFill>
-                  <a:srgbClr val="0070C0"/>
-                </a:solidFill>
-              </a:rPr>
-              <a:t>NOV</a:t>
-            </a:r>
-            <a:endParaRPr lang="en-US" b="1" dirty="0">
-              <a:solidFill>
-                <a:srgbClr val="0070C0"/>
-              </a:solidFill>
-            </a:endParaRPr>
-          </a:p>
-        </p:txBody>
-      </p:sp>
-      <p:sp>
-        <p:nvSpPr>
-          <p:cNvPr id="18" name="CustomShape 6"/>
-          <p:cNvSpPr/>
-          <p:nvPr/>
-        </p:nvSpPr>
-        <p:spPr>
-          <a:xfrm>
-            <a:off x="5847720" y="2050200"/>
-            <a:ext cx="593280" cy="384480"/>
-          </a:xfrm>
-          <a:prstGeom prst="rect">
-            <a:avLst/>
-          </a:prstGeom>
-          <a:solidFill>
-            <a:schemeClr val="accent1"/>
-          </a:solidFill>
-          <a:ln>
-            <a:solidFill>
-              <a:schemeClr val="tx1"/>
-            </a:solidFill>
-          </a:ln>
-        </p:spPr>
-        <p:style>
-          <a:lnRef idx="2">
-            <a:schemeClr val="accent1">
-              <a:shade val="50000"/>
-            </a:schemeClr>
-          </a:lnRef>
-          <a:fillRef idx="1">
-            <a:schemeClr val="accent1"/>
-          </a:fillRef>
-          <a:effectRef idx="0">
-            <a:schemeClr val="accent1"/>
-          </a:effectRef>
-          <a:fontRef idx="minor"/>
-        </p:style>
-      </p:sp>
-      <p:sp>
-        <p:nvSpPr>
-          <p:cNvPr id="19" name="CustomShape 7"/>
-          <p:cNvSpPr/>
-          <p:nvPr/>
-        </p:nvSpPr>
-        <p:spPr>
-          <a:xfrm>
-            <a:off x="6533520" y="2066040"/>
-            <a:ext cx="1086480" cy="364680"/>
-          </a:xfrm>
-          <a:prstGeom prst="rect">
-            <a:avLst/>
-          </a:prstGeom>
-          <a:noFill/>
-          <a:ln>
-            <a:noFill/>
-          </a:ln>
-        </p:spPr>
-        <p:style>
-          <a:lnRef idx="0">
-            <a:scrgbClr r="0" g="0" b="0"/>
-          </a:lnRef>
-          <a:fillRef idx="0">
-            <a:scrgbClr r="0" g="0" b="0"/>
-          </a:fillRef>
-          <a:effectRef idx="0">
-            <a:scrgbClr r="0" g="0" b="0"/>
-          </a:effectRef>
-          <a:fontRef idx="minor"/>
-        </p:style>
-        <p:txBody>
-          <a:bodyPr wrap="none" lIns="90000" tIns="45000" rIns="90000" bIns="45000"/>
-          <a:lstStyle/>
-          <a:p>
-            <a:pPr>
-              <a:lnSpc>
-                <a:spcPct val="100000"/>
-              </a:lnSpc>
-            </a:pPr>
-            <a:r>
-              <a:rPr lang="en-US" sz="1800" b="0" strike="noStrike" spc="-1" dirty="0" smtClean="0">
-                <a:solidFill>
-                  <a:srgbClr val="000000"/>
-                </a:solidFill>
-                <a:latin typeface="Calibri"/>
-              </a:rPr>
-              <a:t>application</a:t>
-            </a:r>
-            <a:endParaRPr lang="en-US" sz="1800" b="0" strike="noStrike" spc="-1" dirty="0">
-              <a:latin typeface="Arial"/>
-            </a:endParaRPr>
-          </a:p>
-        </p:txBody>
-      </p:sp>
-      <p:sp>
-        <p:nvSpPr>
-          <p:cNvPr id="20" name="CustomShape 8"/>
-          <p:cNvSpPr/>
-          <p:nvPr/>
-        </p:nvSpPr>
-        <p:spPr>
-          <a:xfrm>
-            <a:off x="5847720" y="2476480"/>
-            <a:ext cx="593280" cy="384480"/>
-          </a:xfrm>
-          <a:prstGeom prst="rect">
-            <a:avLst/>
-          </a:prstGeom>
-          <a:solidFill>
-            <a:srgbClr val="00B050"/>
-          </a:solidFill>
-          <a:ln>
-            <a:solidFill>
-              <a:schemeClr val="tx1"/>
-            </a:solidFill>
-          </a:ln>
-        </p:spPr>
-        <p:style>
-          <a:lnRef idx="2">
-            <a:schemeClr val="accent1">
-              <a:shade val="50000"/>
-            </a:schemeClr>
-          </a:lnRef>
-          <a:fillRef idx="1">
-            <a:schemeClr val="accent1"/>
-          </a:fillRef>
-          <a:effectRef idx="0">
-            <a:schemeClr val="accent1"/>
-          </a:effectRef>
-          <a:fontRef idx="minor"/>
-        </p:style>
-      </p:sp>
-      <p:sp>
-        <p:nvSpPr>
-          <p:cNvPr id="21" name="CustomShape 9"/>
-          <p:cNvSpPr/>
-          <p:nvPr/>
-        </p:nvSpPr>
-        <p:spPr>
-          <a:xfrm>
-            <a:off x="6547440" y="2476480"/>
-            <a:ext cx="748080" cy="364680"/>
-          </a:xfrm>
-          <a:prstGeom prst="rect">
-            <a:avLst/>
-          </a:prstGeom>
-          <a:noFill/>
-          <a:ln>
-            <a:noFill/>
-          </a:ln>
-        </p:spPr>
-        <p:style>
-          <a:lnRef idx="0">
-            <a:scrgbClr r="0" g="0" b="0"/>
-          </a:lnRef>
-          <a:fillRef idx="0">
-            <a:scrgbClr r="0" g="0" b="0"/>
-          </a:fillRef>
-          <a:effectRef idx="0">
-            <a:scrgbClr r="0" g="0" b="0"/>
-          </a:effectRef>
-          <a:fontRef idx="minor"/>
-        </p:style>
-        <p:txBody>
-          <a:bodyPr wrap="none" lIns="90000" tIns="45000" rIns="90000" bIns="45000"/>
-          <a:lstStyle/>
-          <a:p>
-            <a:pPr>
-              <a:lnSpc>
-                <a:spcPct val="100000"/>
-              </a:lnSpc>
-            </a:pPr>
-            <a:r>
-              <a:rPr lang="en-US" sz="1800" b="0" strike="noStrike" spc="-1" dirty="0" smtClean="0">
-                <a:solidFill>
-                  <a:srgbClr val="000000"/>
-                </a:solidFill>
-                <a:latin typeface="Calibri"/>
-              </a:rPr>
-              <a:t>enrollment</a:t>
-            </a:r>
-            <a:endParaRPr lang="en-US" sz="1800" b="0" strike="noStrike" spc="-1" dirty="0">
-              <a:latin typeface="Arial"/>
-            </a:endParaRPr>
-          </a:p>
-        </p:txBody>
-      </p:sp>
-      <p:sp>
-        <p:nvSpPr>
-          <p:cNvPr id="22" name="CaixaDeTexto 21"/>
-          <p:cNvSpPr txBox="1"/>
-          <p:nvPr/>
-        </p:nvSpPr>
-        <p:spPr>
-          <a:xfrm>
-            <a:off x="4866191" y="2526268"/>
-            <a:ext cx="510076" cy="369332"/>
-          </a:xfrm>
-          <a:prstGeom prst="rect">
-            <a:avLst/>
-          </a:prstGeom>
-          <a:noFill/>
-        </p:spPr>
-        <p:txBody>
-          <a:bodyPr wrap="none" rtlCol="0">
-            <a:spAutoFit/>
-          </a:bodyPr>
-          <a:lstStyle/>
-          <a:p>
-            <a:r>
-              <a:rPr lang="en-US" b="1" dirty="0" smtClean="0">
-                <a:solidFill>
-                  <a:srgbClr val="00B050"/>
-                </a:solidFill>
-              </a:rPr>
-              <a:t>JUL</a:t>
-            </a:r>
-            <a:endParaRPr lang="en-US" b="1" dirty="0">
-              <a:solidFill>
-                <a:srgbClr val="00B050"/>
-              </a:solidFill>
-            </a:endParaRPr>
-          </a:p>
-        </p:txBody>
-      </p:sp>
-      <p:sp>
-        <p:nvSpPr>
-          <p:cNvPr id="23" name="CaixaDeTexto 22"/>
-          <p:cNvSpPr txBox="1"/>
-          <p:nvPr/>
-        </p:nvSpPr>
-        <p:spPr>
-          <a:xfrm>
-            <a:off x="4122829" y="2526268"/>
-            <a:ext cx="627479" cy="369332"/>
-          </a:xfrm>
-          <a:prstGeom prst="rect">
-            <a:avLst/>
-          </a:prstGeom>
-          <a:noFill/>
-        </p:spPr>
-        <p:txBody>
-          <a:bodyPr wrap="none" rtlCol="0">
-            <a:spAutoFit/>
-          </a:bodyPr>
-          <a:lstStyle/>
-          <a:p>
-            <a:r>
-              <a:rPr lang="en-US" b="1" dirty="0" smtClean="0">
-                <a:solidFill>
-                  <a:srgbClr val="0070C0"/>
-                </a:solidFill>
-              </a:rPr>
-              <a:t>MAY</a:t>
-            </a:r>
-            <a:endParaRPr lang="en-US" b="1" dirty="0">
-              <a:solidFill>
-                <a:srgbClr val="0070C0"/>
-              </a:solidFill>
-            </a:endParaRPr>
-          </a:p>
-        </p:txBody>
-      </p:sp>
-      <p:sp>
-        <p:nvSpPr>
-          <p:cNvPr id="24" name="CaixaDeTexto 23"/>
-          <p:cNvSpPr txBox="1"/>
-          <p:nvPr/>
-        </p:nvSpPr>
-        <p:spPr>
-          <a:xfrm>
-            <a:off x="3028320" y="2057400"/>
-            <a:ext cx="962636" cy="369332"/>
-          </a:xfrm>
-          <a:prstGeom prst="rect">
-            <a:avLst/>
-          </a:prstGeom>
-          <a:noFill/>
-        </p:spPr>
-        <p:txBody>
-          <a:bodyPr wrap="none" rtlCol="0">
-            <a:spAutoFit/>
-          </a:bodyPr>
-          <a:lstStyle/>
-          <a:p>
-            <a:r>
-              <a:rPr lang="en-US" dirty="0" smtClean="0"/>
-              <a:t>1</a:t>
-            </a:r>
-            <a:r>
-              <a:rPr lang="en-US" baseline="30000" dirty="0" smtClean="0"/>
-              <a:t>st</a:t>
-            </a:r>
-            <a:r>
-              <a:rPr lang="en-US" dirty="0" smtClean="0"/>
-              <a:t> entry</a:t>
-            </a:r>
-            <a:endParaRPr lang="en-US" dirty="0"/>
-          </a:p>
-        </p:txBody>
-      </p:sp>
-      <p:sp>
-        <p:nvSpPr>
-          <p:cNvPr id="25" name="CaixaDeTexto 24"/>
-          <p:cNvSpPr txBox="1"/>
-          <p:nvPr/>
-        </p:nvSpPr>
-        <p:spPr>
-          <a:xfrm>
-            <a:off x="3028320" y="2519341"/>
-            <a:ext cx="1012457" cy="369332"/>
-          </a:xfrm>
-          <a:prstGeom prst="rect">
-            <a:avLst/>
-          </a:prstGeom>
-          <a:noFill/>
-        </p:spPr>
-        <p:txBody>
-          <a:bodyPr wrap="none" rtlCol="0">
-            <a:spAutoFit/>
-          </a:bodyPr>
-          <a:lstStyle/>
-          <a:p>
-            <a:r>
-              <a:rPr lang="en-US" dirty="0" smtClean="0"/>
-              <a:t>2</a:t>
-            </a:r>
-            <a:r>
-              <a:rPr lang="en-US" baseline="30000" dirty="0" smtClean="0"/>
-              <a:t>nd</a:t>
-            </a:r>
-            <a:r>
-              <a:rPr lang="en-US" dirty="0" smtClean="0"/>
-              <a:t> entry</a:t>
-            </a:r>
-            <a:endParaRPr lang="en-US" dirty="0"/>
+            <a:r>
+              <a:rPr lang="en-US" sz="4400" dirty="0" smtClean="0">
+                <a:latin typeface="Calibri Light" panose="020F0302020204030204" pitchFamily="34" charset="0"/>
+                <a:cs typeface="Calibri Light" panose="020F0302020204030204" pitchFamily="34" charset="0"/>
+              </a:rPr>
+              <a:t>If you are still undecided… </a:t>
+            </a:r>
+            <a:r>
+              <a:rPr lang="en-US" sz="4400" dirty="0" smtClean="0">
+                <a:latin typeface="Calibri Light" panose="020F0302020204030204" pitchFamily="34" charset="0"/>
+                <a:cs typeface="Calibri Light" panose="020F0302020204030204" pitchFamily="34" charset="0"/>
+                <a:sym typeface="Wingdings" panose="05000000000000000000" pitchFamily="2" charset="2"/>
+              </a:rPr>
+              <a:t></a:t>
+            </a:r>
+            <a:endParaRPr lang="en-US" sz="4400" dirty="0">
+              <a:latin typeface="Calibri Light" panose="020F0302020204030204" pitchFamily="34" charset="0"/>
+              <a:cs typeface="Calibri Light" panose="020F0302020204030204" pitchFamily="34" charset="0"/>
+            </a:endParaRPr>
           </a:p>
         </p:txBody>
       </p:sp>
     </p:spTree>
     <p:extLst>
       <p:ext uri="{BB962C8B-B14F-4D97-AF65-F5344CB8AC3E}">
-        <p14:creationId xmlns:p14="http://schemas.microsoft.com/office/powerpoint/2010/main" val="3783701853"/>
+        <p14:creationId xmlns:p14="http://schemas.microsoft.com/office/powerpoint/2010/main" val="2000976566"/>
       </p:ext>
     </p:extLst>
   </p:cSld>
@@ -8614,27 +8758,7 @@
   <p:timing>
     <p:tnLst>
       <p:par>
-        <p:cTn id="1" dur="indefinite" restart="never" nodeType="tmRoot">
-          <p:childTnLst>
-            <p:seq>
-              <p:cTn id="2" dur="indefinite" nodeType="mainSeq"/>
-              <p:prevCondLst>
-                <p:cond evt="onPrev" delay="0">
-                  <p:tgtEl>
-                    <p:sldTgt/>
-                  </p:tgtEl>
-                </p:cond>
-              </p:prevCondLst>
-              <p:nextCondLst>
-                <p:cond evt="onNext" delay="0">
-                  <p:tgtEl>
-                    <p:sldTgt/>
-                  </p:tgtEl>
-                </p:cond>
-              </p:nextCondLst>
-            </p:seq>
-          </p:childTnLst>
-        </p:cTn>
+        <p:cTn id="1" dur="indefinite" restart="never" nodeType="tmRoot"/>
       </p:par>
     </p:tnLst>
   </p:timing>
@@ -8660,12 +8784,12 @@
       </p:grpSpPr>
       <p:sp>
         <p:nvSpPr>
-          <p:cNvPr id="2" name="Subtítulo 1"/>
+          <p:cNvPr id="2" name="Título 1"/>
           <p:cNvSpPr>
             <a:spLocks noGrp="1"/>
           </p:cNvSpPr>
           <p:nvPr>
-            <p:ph type="subTitle"/>
+            <p:ph type="title"/>
           </p:nvPr>
         </p:nvSpPr>
         <p:spPr/>
@@ -8674,31 +8798,244 @@
           <a:lstStyle/>
           <a:p>
             <a:r>
-              <a:rPr lang="en-US" sz="4400" dirty="0" smtClean="0">
-                <a:latin typeface="Calibri Light" panose="020F0302020204030204" pitchFamily="34" charset="0"/>
-                <a:cs typeface="Calibri Light" panose="020F0302020204030204" pitchFamily="34" charset="0"/>
-              </a:rPr>
-              <a:t>If you are still undecided… </a:t>
-            </a:r>
-            <a:r>
-              <a:rPr lang="en-US" sz="4400" dirty="0" smtClean="0">
-                <a:latin typeface="Calibri Light" panose="020F0302020204030204" pitchFamily="34" charset="0"/>
-                <a:cs typeface="Calibri Light" panose="020F0302020204030204" pitchFamily="34" charset="0"/>
-                <a:sym typeface="Wingdings" panose="05000000000000000000" pitchFamily="2" charset="2"/>
-              </a:rPr>
-              <a:t></a:t>
-            </a:r>
-            <a:endParaRPr lang="en-US" sz="4400" dirty="0">
-              <a:latin typeface="Calibri Light" panose="020F0302020204030204" pitchFamily="34" charset="0"/>
-              <a:cs typeface="Calibri Light" panose="020F0302020204030204" pitchFamily="34" charset="0"/>
-            </a:endParaRPr>
+              <a:rPr lang="en-US" dirty="0" smtClean="0"/>
+              <a:t>Recife</a:t>
+            </a:r>
+            <a:endParaRPr lang="en-US" dirty="0"/>
+          </a:p>
+        </p:txBody>
+      </p:sp>
+      <p:pic>
+        <p:nvPicPr>
+          <p:cNvPr id="2052" name="Picture 4" descr="Recife on Map of Brazil"/>
+          <p:cNvPicPr>
+            <a:picLocks noChangeAspect="1" noChangeArrowheads="1"/>
+          </p:cNvPicPr>
+          <p:nvPr/>
+        </p:nvPicPr>
+        <p:blipFill>
+          <a:blip r:embed="rId2">
+            <a:extLst>
+              <a:ext uri="{28A0092B-C50C-407E-A947-70E740481C1C}">
+                <a14:useLocalDpi xmlns:a14="http://schemas.microsoft.com/office/drawing/2010/main" val="0"/>
+              </a:ext>
+            </a:extLst>
+          </a:blip>
+          <a:srcRect/>
+          <a:stretch>
+            <a:fillRect/>
+          </a:stretch>
+        </p:blipFill>
+        <p:spPr bwMode="auto">
+          <a:xfrm>
+            <a:off x="5135894" y="1788582"/>
+            <a:ext cx="7607300" cy="7785101"/>
+          </a:xfrm>
+          <a:prstGeom prst="rect">
+            <a:avLst/>
+          </a:prstGeom>
+          <a:solidFill>
+            <a:srgbClr val="FFFFFF">
+              <a:shade val="85000"/>
+            </a:srgbClr>
+          </a:solidFill>
+          <a:ln w="88900" cap="sq">
+            <a:solidFill>
+              <a:srgbClr val="FFFFFF"/>
+            </a:solidFill>
+            <a:miter lim="800000"/>
+          </a:ln>
+          <a:effectLst>
+            <a:outerShdw blurRad="55000" dist="18000" dir="5400000" algn="tl" rotWithShape="0">
+              <a:srgbClr val="000000">
+                <a:alpha val="40000"/>
+              </a:srgbClr>
+            </a:outerShdw>
+          </a:effectLst>
+          <a:scene3d>
+            <a:camera prst="orthographicFront"/>
+            <a:lightRig rig="twoPt" dir="t">
+              <a:rot lat="0" lon="0" rev="7200000"/>
+            </a:lightRig>
+          </a:scene3d>
+          <a:sp3d>
+            <a:bevelT w="25400" h="19050"/>
+            <a:contourClr>
+              <a:srgbClr val="FFFFFF"/>
+            </a:contourClr>
+          </a:sp3d>
+          <a:extLst/>
+        </p:spPr>
+      </p:pic>
+      <p:pic>
+        <p:nvPicPr>
+          <p:cNvPr id="2050" name="Picture 2" descr="http://images.huffingtonpost.com/2014-07-13-recife_huff_po.jpg"/>
+          <p:cNvPicPr>
+            <a:picLocks noChangeAspect="1" noChangeArrowheads="1"/>
+          </p:cNvPicPr>
+          <p:nvPr/>
+        </p:nvPicPr>
+        <p:blipFill>
+          <a:blip r:embed="rId3">
+            <a:extLst>
+              <a:ext uri="{28A0092B-C50C-407E-A947-70E740481C1C}">
+                <a14:useLocalDpi xmlns:a14="http://schemas.microsoft.com/office/drawing/2010/main" val="0"/>
+              </a:ext>
+            </a:extLst>
+          </a:blip>
+          <a:srcRect/>
+          <a:stretch>
+            <a:fillRect/>
+          </a:stretch>
+        </p:blipFill>
+        <p:spPr bwMode="auto">
+          <a:xfrm>
+            <a:off x="239351" y="1508787"/>
+            <a:ext cx="7680853" cy="5124267"/>
+          </a:xfrm>
+          <a:prstGeom prst="rect">
+            <a:avLst/>
+          </a:prstGeom>
+          <a:solidFill>
+            <a:srgbClr val="FFFFFF">
+              <a:shade val="85000"/>
+            </a:srgbClr>
+          </a:solidFill>
+          <a:ln w="88900" cap="sq">
+            <a:solidFill>
+              <a:srgbClr val="FFFFFF"/>
+            </a:solidFill>
+            <a:miter lim="800000"/>
+          </a:ln>
+          <a:effectLst>
+            <a:outerShdw blurRad="55000" dist="18000" dir="5400000" algn="tl" rotWithShape="0">
+              <a:srgbClr val="000000">
+                <a:alpha val="40000"/>
+              </a:srgbClr>
+            </a:outerShdw>
+          </a:effectLst>
+          <a:scene3d>
+            <a:camera prst="orthographicFront"/>
+            <a:lightRig rig="twoPt" dir="t">
+              <a:rot lat="0" lon="0" rev="7200000"/>
+            </a:lightRig>
+          </a:scene3d>
+          <a:sp3d>
+            <a:bevelT w="25400" h="19050"/>
+            <a:contourClr>
+              <a:srgbClr val="FFFFFF"/>
+            </a:contourClr>
+          </a:sp3d>
+          <a:extLst/>
+        </p:spPr>
+      </p:pic>
+      <p:sp>
+        <p:nvSpPr>
+          <p:cNvPr id="5" name="CaixaDeTexto 4"/>
+          <p:cNvSpPr txBox="1"/>
+          <p:nvPr/>
+        </p:nvSpPr>
+        <p:spPr>
+          <a:xfrm>
+            <a:off x="200202" y="1028733"/>
+            <a:ext cx="246280" cy="400105"/>
+          </a:xfrm>
+          <a:prstGeom prst="rect">
+            <a:avLst/>
+          </a:prstGeom>
+          <a:noFill/>
+        </p:spPr>
+        <p:txBody>
+          <a:bodyPr wrap="none" lIns="121917" tIns="60958" rIns="121917" bIns="60958" rtlCol="0">
+            <a:spAutoFit/>
+          </a:bodyPr>
+          <a:lstStyle/>
+          <a:p>
+            <a:endParaRPr lang="en-US" dirty="0"/>
+          </a:p>
+        </p:txBody>
+      </p:sp>
+      <p:sp>
+        <p:nvSpPr>
+          <p:cNvPr id="9" name="CaixaDeTexto 8"/>
+          <p:cNvSpPr txBox="1"/>
+          <p:nvPr/>
+        </p:nvSpPr>
+        <p:spPr>
+          <a:xfrm>
+            <a:off x="5807969" y="1511108"/>
+            <a:ext cx="4801052" cy="1231102"/>
+          </a:xfrm>
+          <a:prstGeom prst="rect">
+            <a:avLst/>
+          </a:prstGeom>
+        </p:spPr>
+        <p:style>
+          <a:lnRef idx="2">
+            <a:schemeClr val="dk1"/>
+          </a:lnRef>
+          <a:fillRef idx="1">
+            <a:schemeClr val="lt1"/>
+          </a:fillRef>
+          <a:effectRef idx="0">
+            <a:schemeClr val="dk1"/>
+          </a:effectRef>
+          <a:fontRef idx="minor">
+            <a:schemeClr val="dk1"/>
+          </a:fontRef>
+        </p:style>
+        <p:txBody>
+          <a:bodyPr wrap="none" lIns="121917" tIns="60958" rIns="121917" bIns="60958" rtlCol="0">
+            <a:spAutoFit/>
+          </a:bodyPr>
+          <a:lstStyle/>
+          <a:p>
+            <a:r>
+              <a:rPr lang="en-US" dirty="0" smtClean="0"/>
+              <a:t>~2 million people </a:t>
+            </a:r>
+            <a:r>
+              <a:rPr lang="en-US" dirty="0" smtClean="0"/>
+              <a:t>(metropolitan </a:t>
+            </a:r>
+            <a:r>
+              <a:rPr lang="en-US" dirty="0" smtClean="0"/>
+              <a:t>area)</a:t>
+            </a:r>
+          </a:p>
+          <a:p>
+            <a:r>
+              <a:rPr lang="en-US" dirty="0" smtClean="0"/>
+              <a:t>International flights from/to big cities worldwide</a:t>
+            </a:r>
+          </a:p>
+          <a:p>
+            <a:r>
+              <a:rPr lang="en-US" dirty="0" smtClean="0"/>
+              <a:t>straight </a:t>
+            </a:r>
+            <a:r>
+              <a:rPr lang="en-US" dirty="0"/>
+              <a:t>flight Cordoba &lt;-&gt; Recife (once a week</a:t>
+            </a:r>
+            <a:r>
+              <a:rPr lang="en-US" dirty="0" smtClean="0"/>
+              <a:t>)</a:t>
+            </a:r>
+          </a:p>
+          <a:p>
+            <a:r>
+              <a:rPr lang="en-US" dirty="0" smtClean="0"/>
+              <a:t>Temperature: 22-32C</a:t>
+            </a:r>
+            <a:endParaRPr lang="en-US" dirty="0"/>
           </a:p>
         </p:txBody>
       </p:sp>
     </p:spTree>
     <p:extLst>
       <p:ext uri="{BB962C8B-B14F-4D97-AF65-F5344CB8AC3E}">
-        <p14:creationId xmlns:p14="http://schemas.microsoft.com/office/powerpoint/2010/main" val="2000976566"/>
+        <p14:creationId xmlns:p14="http://schemas.microsoft.com/office/powerpoint/2010/main" val="101028193"/>
       </p:ext>
     </p:extLst>
   </p:cSld>
@@ -8749,7 +9086,11 @@
           <a:p>
             <a:r>
               <a:rPr lang="en-US" dirty="0" smtClean="0"/>
-              <a:t>Recife</a:t>
+              <a:t>Porto de </a:t>
+            </a:r>
+            <a:r>
+              <a:rPr lang="en-US" dirty="0" err="1" smtClean="0"/>
+              <a:t>Galinhas</a:t>
             </a:r>
             <a:endParaRPr lang="en-US" dirty="0"/>
           </a:p>
@@ -8757,14 +9098,14 @@
       </p:sp>
       <p:pic>
         <p:nvPicPr>
-          <p:cNvPr id="2052" name="Picture 4" descr="Recife on Map of Brazil"/>
+          <p:cNvPr id="4098" name="Picture 2" descr="https://estilodemadame.files.wordpress.com/2013/12/porto-de-galinhas-054_.jpg"/>
           <p:cNvPicPr>
             <a:picLocks noChangeAspect="1" noChangeArrowheads="1"/>
           </p:cNvPicPr>
           <p:nvPr/>
         </p:nvPicPr>
         <p:blipFill>
-          <a:blip r:embed="rId2">
+          <a:blip r:embed="rId2" cstate="print">
             <a:extLst>
               <a:ext uri="{28A0092B-C50C-407E-A947-70E740481C1C}">
                 <a14:useLocalDpi xmlns:a14="http://schemas.microsoft.com/office/drawing/2010/main" val="0"/>
@@ -8778,8 +9119,8 @@
         </p:blipFill>
         <p:spPr bwMode="auto">
           <a:xfrm>
-            <a:off x="5135894" y="1788582"/>
-            <a:ext cx="7607300" cy="7785101"/>
+            <a:off x="47328" y="1634219"/>
+            <a:ext cx="8919701" cy="5923240"/>
           </a:xfrm>
           <a:prstGeom prst="rect">
             <a:avLst/>
@@ -8817,78 +9158,16 @@
           <a:extLst/>
         </p:spPr>
       </p:pic>
-      <p:pic>
-        <p:nvPicPr>
-          <p:cNvPr id="2050" name="Picture 2" descr="http://images.huffingtonpost.com/2014-07-13-recife_huff_po.jpg"/>
-          <p:cNvPicPr>
-            <a:picLocks noChangeAspect="1" noChangeArrowheads="1"/>
-          </p:cNvPicPr>
-          <p:nvPr/>
-        </p:nvPicPr>
-        <p:blipFill>
-          <a:blip r:embed="rId3">
-            <a:extLst>
-              <a:ext uri="{28A0092B-C50C-407E-A947-70E740481C1C}">
-                <a14:useLocalDpi xmlns:a14="http://schemas.microsoft.com/office/drawing/2010/main" val="0"/>
-              </a:ext>
-            </a:extLst>
-          </a:blip>
-          <a:srcRect/>
-          <a:stretch>
-            <a:fillRect/>
-          </a:stretch>
-        </p:blipFill>
-        <p:spPr bwMode="auto">
-          <a:xfrm>
-            <a:off x="239351" y="1508787"/>
-            <a:ext cx="7680853" cy="5124267"/>
-          </a:xfrm>
-          <a:prstGeom prst="rect">
-            <a:avLst/>
-          </a:prstGeom>
-          <a:solidFill>
-            <a:srgbClr val="FFFFFF">
-              <a:shade val="85000"/>
-            </a:srgbClr>
-          </a:solidFill>
-          <a:ln w="88900" cap="sq">
-            <a:solidFill>
-              <a:srgbClr val="FFFFFF"/>
-            </a:solidFill>
-            <a:miter lim="800000"/>
-          </a:ln>
-          <a:effectLst>
-            <a:outerShdw blurRad="55000" dist="18000" dir="5400000" algn="tl" rotWithShape="0">
-              <a:srgbClr val="000000">
-                <a:alpha val="40000"/>
-              </a:srgbClr>
-            </a:outerShdw>
-          </a:effectLst>
-          <a:scene3d>
-            <a:camera prst="orthographicFront"/>
-            <a:lightRig rig="twoPt" dir="t">
-              <a:rot lat="0" lon="0" rev="7200000"/>
-            </a:lightRig>
-          </a:scene3d>
-          <a:sp3d>
-            <a:bevelT w="25400" h="19050"/>
-            <a:contourClr>
-              <a:srgbClr val="FFFFFF"/>
-            </a:contourClr>
-          </a:sp3d>
-          <a:extLst/>
-        </p:spPr>
-      </p:pic>
       <p:sp>
         <p:nvSpPr>
-          <p:cNvPr id="5" name="CaixaDeTexto 4"/>
+          <p:cNvPr id="4" name="CaixaDeTexto 3"/>
           <p:cNvSpPr txBox="1"/>
           <p:nvPr/>
         </p:nvSpPr>
         <p:spPr>
           <a:xfrm>
-            <a:off x="200202" y="1028733"/>
-            <a:ext cx="246280" cy="400105"/>
+            <a:off x="9168341" y="1796819"/>
+            <a:ext cx="3023659" cy="1231102"/>
           </a:xfrm>
           <a:prstGeom prst="rect">
             <a:avLst/>
@@ -8896,73 +9175,69 @@
           <a:noFill/>
         </p:spPr>
         <p:txBody>
-          <a:bodyPr wrap="none" lIns="121917" tIns="60958" rIns="121917" bIns="60958" rtlCol="0">
+          <a:bodyPr wrap="square" lIns="121917" tIns="60958" rIns="121917" bIns="60958" rtlCol="0">
             <a:spAutoFit/>
           </a:bodyPr>
           <a:lstStyle/>
           <a:p>
+            <a:pPr marL="380990" indent="-380990">
+              <a:buFont typeface="Arial" panose="020B0604020202020204" pitchFamily="34" charset="0"/>
+              <a:buChar char="•"/>
+            </a:pPr>
+            <a:r>
+              <a:rPr lang="en-US" dirty="0" smtClean="0"/>
+              <a:t>1h drive by car</a:t>
+            </a:r>
+          </a:p>
+          <a:p>
+            <a:pPr marL="380990" indent="-380990">
+              <a:buFont typeface="Arial" panose="020B0604020202020204" pitchFamily="34" charset="0"/>
+              <a:buChar char="•"/>
+            </a:pPr>
+            <a:r>
+              <a:rPr lang="en-US" dirty="0" smtClean="0"/>
+              <a:t>shuttle options from airport</a:t>
+            </a:r>
+          </a:p>
+          <a:p>
+            <a:pPr marL="380990" indent="-380990">
+              <a:buFont typeface="Arial" panose="020B0604020202020204" pitchFamily="34" charset="0"/>
+              <a:buChar char="•"/>
+            </a:pPr>
+            <a:r>
+              <a:rPr lang="en-US" dirty="0" smtClean="0"/>
+              <a:t>venue of ICST 2021</a:t>
+            </a:r>
             <a:endParaRPr lang="en-US" dirty="0"/>
           </a:p>
         </p:txBody>
       </p:sp>
       <p:sp>
         <p:nvSpPr>
-          <p:cNvPr id="9" name="CaixaDeTexto 8"/>
-          <p:cNvSpPr txBox="1"/>
+          <p:cNvPr id="3" name="Retângulo 2"/>
+          <p:cNvSpPr/>
           <p:nvPr/>
         </p:nvSpPr>
         <p:spPr>
           <a:xfrm>
-            <a:off x="5807969" y="1511108"/>
-            <a:ext cx="4801052" cy="954103"/>
+            <a:off x="9219417" y="3066532"/>
+            <a:ext cx="2921505" cy="369332"/>
           </a:xfrm>
           <a:prstGeom prst="rect">
             <a:avLst/>
           </a:prstGeom>
         </p:spPr>
-        <p:style>
-          <a:lnRef idx="2">
-            <a:schemeClr val="dk1"/>
-          </a:lnRef>
-          <a:fillRef idx="1">
-            <a:schemeClr val="lt1"/>
-          </a:fillRef>
-          <a:effectRef idx="0">
-            <a:schemeClr val="dk1"/>
-          </a:effectRef>
-          <a:fontRef idx="minor">
-            <a:schemeClr val="dk1"/>
-          </a:fontRef>
-        </p:style>
         <p:txBody>
-          <a:bodyPr wrap="none" lIns="121917" tIns="60958" rIns="121917" bIns="60958" rtlCol="0">
+          <a:bodyPr wrap="none">
             <a:spAutoFit/>
           </a:bodyPr>
           <a:lstStyle/>
           <a:p>
             <a:r>
-              <a:rPr lang="en-US" dirty="0" smtClean="0"/>
-              <a:t>~2 million people (metropolitan area)</a:t>
-            </a:r>
-          </a:p>
-          <a:p>
-            <a:r>
-              <a:rPr lang="en-US" dirty="0" smtClean="0"/>
-              <a:t>International flights from/to big cities worldwide</a:t>
-            </a:r>
-          </a:p>
-          <a:p>
-            <a:r>
-              <a:rPr lang="en-US" dirty="0" smtClean="0"/>
-              <a:t>straight </a:t>
-            </a:r>
-            <a:r>
-              <a:rPr lang="en-US" dirty="0"/>
-              <a:t>flight Cordoba &lt;-&gt; Recife (once a week</a:t>
-            </a:r>
-            <a:r>
-              <a:rPr lang="en-US" dirty="0" smtClean="0"/>
-              <a:t>)</a:t>
+              <a:rPr lang="en-US" dirty="0">
+                <a:hlinkClick r:id="rId3"/>
+              </a:rPr>
+              <a:t>https://icst2021.icmc.usp.br/</a:t>
             </a:r>
             <a:endParaRPr lang="en-US" dirty="0"/>
           </a:p>
@@ -8971,7 +9246,7 @@
     </p:spTree>
     <p:extLst>
       <p:ext uri="{BB962C8B-B14F-4D97-AF65-F5344CB8AC3E}">
-        <p14:creationId xmlns:p14="http://schemas.microsoft.com/office/powerpoint/2010/main" val="101028193"/>
+        <p14:creationId xmlns:p14="http://schemas.microsoft.com/office/powerpoint/2010/main" val="3275644372"/>
       </p:ext>
     </p:extLst>
   </p:cSld>
@@ -9807,12 +10082,12 @@
           <a:lstStyle/>
           <a:p>
             <a:r>
+              <a:rPr lang="en-US" dirty="0" err="1" smtClean="0"/>
+              <a:t>Muro</a:t>
+            </a:r>
+            <a:r>
               <a:rPr lang="en-US" dirty="0" smtClean="0"/>
-              <a:t>Porto de </a:t>
-            </a:r>
-            <a:r>
-              <a:rPr lang="en-US" dirty="0" err="1" smtClean="0"/>
-              <a:t>Galinhas</a:t>
+              <a:t> Alto</a:t>
             </a:r>
             <a:endParaRPr lang="en-US" dirty="0"/>
           </a:p>
@@ -9820,14 +10095,14 @@
       </p:sp>
       <p:pic>
         <p:nvPicPr>
-          <p:cNvPr id="4098" name="Picture 2" descr="https://estilodemadame.files.wordpress.com/2013/12/porto-de-galinhas-054_.jpg"/>
+          <p:cNvPr id="5122" name="Picture 2" descr="Flat Nannai Residence - Muro Alto Beach... - HomeAway Centro"/>
           <p:cNvPicPr>
             <a:picLocks noChangeAspect="1" noChangeArrowheads="1"/>
           </p:cNvPicPr>
           <p:nvPr/>
         </p:nvPicPr>
         <p:blipFill>
-          <a:blip r:embed="rId2" cstate="print">
+          <a:blip r:embed="rId2">
             <a:extLst>
               <a:ext uri="{28A0092B-C50C-407E-A947-70E740481C1C}">
                 <a14:useLocalDpi xmlns:a14="http://schemas.microsoft.com/office/drawing/2010/main" val="0"/>
@@ -9841,8 +10116,8 @@
         </p:blipFill>
         <p:spPr bwMode="auto">
           <a:xfrm>
-            <a:off x="47328" y="1634219"/>
-            <a:ext cx="8919701" cy="5923240"/>
+            <a:off x="623392" y="1412776"/>
+            <a:ext cx="7008779" cy="5256584"/>
           </a:xfrm>
           <a:prstGeom prst="rect">
             <a:avLst/>
@@ -9882,14 +10157,14 @@
       </p:pic>
       <p:sp>
         <p:nvSpPr>
-          <p:cNvPr id="4" name="CaixaDeTexto 3"/>
+          <p:cNvPr id="5" name="CaixaDeTexto 4"/>
           <p:cNvSpPr txBox="1"/>
           <p:nvPr/>
         </p:nvSpPr>
         <p:spPr>
           <a:xfrm>
-            <a:off x="9168341" y="1796819"/>
-            <a:ext cx="3023659" cy="1231102"/>
+            <a:off x="8208235" y="1508787"/>
+            <a:ext cx="3360373" cy="954103"/>
           </a:xfrm>
           <a:prstGeom prst="rect">
             <a:avLst/>
@@ -9908,7 +10183,7 @@
             </a:pPr>
             <a:r>
               <a:rPr lang="en-US" dirty="0" smtClean="0"/>
-              <a:t>1h drive by car</a:t>
+              <a:t>Natural Pool </a:t>
             </a:r>
           </a:p>
           <a:p>
@@ -9918,48 +10193,11 @@
             </a:pPr>
             <a:r>
               <a:rPr lang="en-US" dirty="0" smtClean="0"/>
-              <a:t>shuttle options from airport</a:t>
-            </a:r>
-          </a:p>
-          <a:p>
-            <a:pPr marL="380990" indent="-380990">
-              <a:buFont typeface="Arial" panose="020B0604020202020204" pitchFamily="34" charset="0"/>
-              <a:buChar char="•"/>
-            </a:pPr>
-            <a:r>
-              <a:rPr lang="en-US" dirty="0" smtClean="0"/>
-              <a:t>venue of ICST 2021</a:t>
-            </a:r>
-            <a:endParaRPr lang="en-US" dirty="0"/>
-          </a:p>
-        </p:txBody>
-      </p:sp>
-      <p:sp>
-        <p:nvSpPr>
-          <p:cNvPr id="3" name="Retângulo 2"/>
-          <p:cNvSpPr/>
-          <p:nvPr/>
-        </p:nvSpPr>
-        <p:spPr>
-          <a:xfrm>
-            <a:off x="9219417" y="3066532"/>
-            <a:ext cx="2921505" cy="369332"/>
-          </a:xfrm>
-          <a:prstGeom prst="rect">
-            <a:avLst/>
-          </a:prstGeom>
-        </p:spPr>
-        <p:txBody>
-          <a:bodyPr wrap="none">
-            <a:spAutoFit/>
-          </a:bodyPr>
-          <a:lstStyle/>
-          <a:p>
-            <a:r>
-              <a:rPr lang="en-US" dirty="0">
-                <a:hlinkClick r:id="rId3"/>
-              </a:rPr>
-              <a:t>https://icst2021.icmc.usp.br/</a:t>
+              <a:t>1Km to the south of Porto de </a:t>
+            </a:r>
+            <a:r>
+              <a:rPr lang="en-US" dirty="0" err="1" smtClean="0"/>
+              <a:t>Galinhas</a:t>
             </a:r>
             <a:endParaRPr lang="en-US" dirty="0"/>
           </a:p>
@@ -9968,7 +10206,7 @@
     </p:spTree>
     <p:extLst>
       <p:ext uri="{BB962C8B-B14F-4D97-AF65-F5344CB8AC3E}">
-        <p14:creationId xmlns:p14="http://schemas.microsoft.com/office/powerpoint/2010/main" val="3275644372"/>
+        <p14:creationId xmlns:p14="http://schemas.microsoft.com/office/powerpoint/2010/main" val="2532897984"/>
       </p:ext>
     </p:extLst>
   </p:cSld>
@@ -10019,11 +10257,7 @@
           <a:p>
             <a:r>
               <a:rPr lang="en-US" dirty="0" err="1" smtClean="0"/>
-              <a:t>Muro</a:t>
-            </a:r>
-            <a:r>
-              <a:rPr lang="en-US" dirty="0" smtClean="0"/>
-              <a:t> Alto</a:t>
+              <a:t>Maracaípe</a:t>
             </a:r>
             <a:endParaRPr lang="en-US" dirty="0"/>
           </a:p>
@@ -10031,14 +10265,14 @@
       </p:sp>
       <p:pic>
         <p:nvPicPr>
-          <p:cNvPr id="5122" name="Picture 2" descr="Flat Nannai Residence - Muro Alto Beach... - HomeAway Centro"/>
+          <p:cNvPr id="7170" name="Picture 2" descr="Praia de Maracaípe – Wikipédia, a enciclopédia livre"/>
           <p:cNvPicPr>
             <a:picLocks noChangeAspect="1" noChangeArrowheads="1"/>
           </p:cNvPicPr>
           <p:nvPr/>
         </p:nvPicPr>
         <p:blipFill>
-          <a:blip r:embed="rId2">
+          <a:blip r:embed="rId2" cstate="print">
             <a:extLst>
               <a:ext uri="{28A0092B-C50C-407E-A947-70E740481C1C}">
                 <a14:useLocalDpi xmlns:a14="http://schemas.microsoft.com/office/drawing/2010/main" val="0"/>
@@ -10052,8 +10286,8 @@
         </p:blipFill>
         <p:spPr bwMode="auto">
           <a:xfrm>
-            <a:off x="623392" y="1412776"/>
-            <a:ext cx="7008779" cy="5256584"/>
+            <a:off x="37571" y="2146448"/>
+            <a:ext cx="5806524" cy="4354893"/>
           </a:xfrm>
           <a:prstGeom prst="rect">
             <a:avLst/>
@@ -10091,124 +10325,16 @@
           <a:extLst/>
         </p:spPr>
       </p:pic>
-      <p:sp>
-        <p:nvSpPr>
-          <p:cNvPr id="5" name="CaixaDeTexto 4"/>
-          <p:cNvSpPr txBox="1"/>
-          <p:nvPr/>
-        </p:nvSpPr>
-        <p:spPr>
-          <a:xfrm>
-            <a:off x="8208235" y="1508787"/>
-            <a:ext cx="3360373" cy="954103"/>
-          </a:xfrm>
-          <a:prstGeom prst="rect">
-            <a:avLst/>
-          </a:prstGeom>
-          <a:noFill/>
-        </p:spPr>
-        <p:txBody>
-          <a:bodyPr wrap="square" lIns="121917" tIns="60958" rIns="121917" bIns="60958" rtlCol="0">
-            <a:spAutoFit/>
-          </a:bodyPr>
-          <a:lstStyle/>
-          <a:p>
-            <a:pPr marL="380990" indent="-380990">
-              <a:buFont typeface="Arial" panose="020B0604020202020204" pitchFamily="34" charset="0"/>
-              <a:buChar char="•"/>
-            </a:pPr>
-            <a:r>
-              <a:rPr lang="en-US" dirty="0" smtClean="0"/>
-              <a:t>Natural Pool </a:t>
-            </a:r>
-          </a:p>
-          <a:p>
-            <a:pPr marL="380990" indent="-380990">
-              <a:buFont typeface="Arial" panose="020B0604020202020204" pitchFamily="34" charset="0"/>
-              <a:buChar char="•"/>
-            </a:pPr>
-            <a:r>
-              <a:rPr lang="en-US" dirty="0" smtClean="0"/>
-              <a:t>1Km to the south of Porto de </a:t>
-            </a:r>
-            <a:r>
-              <a:rPr lang="en-US" dirty="0" err="1" smtClean="0"/>
-              <a:t>Galinhas</a:t>
-            </a:r>
-            <a:endParaRPr lang="en-US" dirty="0"/>
-          </a:p>
-        </p:txBody>
-      </p:sp>
-    </p:spTree>
-    <p:extLst>
-      <p:ext uri="{BB962C8B-B14F-4D97-AF65-F5344CB8AC3E}">
-        <p14:creationId xmlns:p14="http://schemas.microsoft.com/office/powerpoint/2010/main" val="2532897984"/>
-      </p:ext>
-    </p:extLst>
-  </p:cSld>
-  <p:clrMapOvr>
-    <a:masterClrMapping/>
-  </p:clrMapOvr>
-  <p:timing>
-    <p:tnLst>
-      <p:par>
-        <p:cTn id="1" dur="indefinite" restart="never" nodeType="tmRoot"/>
-      </p:par>
-    </p:tnLst>
-  </p:timing>
-</p:sld>
-</file>
-
-<file path=ppt/slides/slide122.xml><?xml version="1.0" encoding="utf-8"?>
-<p:sld xmlns:a="http://schemas.openxmlformats.org/drawingml/2006/main" xmlns:r="http://schemas.openxmlformats.org/officeDocument/2006/relationships" xmlns:p="http://schemas.openxmlformats.org/presentationml/2006/main">
-  <p:cSld>
-    <p:spTree>
-      <p:nvGrpSpPr>
-        <p:cNvPr id="1" name=""/>
-        <p:cNvGrpSpPr/>
-        <p:nvPr/>
-      </p:nvGrpSpPr>
-      <p:grpSpPr>
-        <a:xfrm>
-          <a:off x="0" y="0"/>
-          <a:ext cx="0" cy="0"/>
-          <a:chOff x="0" y="0"/>
-          <a:chExt cx="0" cy="0"/>
-        </a:xfrm>
-      </p:grpSpPr>
-      <p:sp>
-        <p:nvSpPr>
-          <p:cNvPr id="2" name="Título 1"/>
-          <p:cNvSpPr>
-            <a:spLocks noGrp="1"/>
-          </p:cNvSpPr>
-          <p:nvPr>
-            <p:ph type="title"/>
-          </p:nvPr>
-        </p:nvSpPr>
-        <p:spPr/>
-        <p:txBody>
-          <a:bodyPr/>
-          <a:lstStyle/>
-          <a:p>
-            <a:r>
-              <a:rPr lang="en-US" dirty="0" err="1" smtClean="0"/>
-              <a:t>Maracaípe</a:t>
-            </a:r>
-            <a:endParaRPr lang="en-US" dirty="0"/>
-          </a:p>
-        </p:txBody>
-      </p:sp>
       <p:pic>
         <p:nvPicPr>
-          <p:cNvPr id="7170" name="Picture 2" descr="Praia de Maracaípe – Wikipédia, a enciclopédia livre"/>
+          <p:cNvPr id="7172" name="Picture 4" descr="Praia de Maracaípe: um bate-volta pertinho de Porto de ..."/>
           <p:cNvPicPr>
             <a:picLocks noChangeAspect="1" noChangeArrowheads="1"/>
           </p:cNvPicPr>
           <p:nvPr/>
         </p:nvPicPr>
         <p:blipFill>
-          <a:blip r:embed="rId2" cstate="print">
+          <a:blip r:embed="rId3" cstate="print">
             <a:extLst>
               <a:ext uri="{28A0092B-C50C-407E-A947-70E740481C1C}">
                 <a14:useLocalDpi xmlns:a14="http://schemas.microsoft.com/office/drawing/2010/main" val="0"/>
@@ -10222,8 +10348,8 @@
         </p:blipFill>
         <p:spPr bwMode="auto">
           <a:xfrm>
-            <a:off x="37571" y="2146448"/>
-            <a:ext cx="5806524" cy="4354893"/>
+            <a:off x="5903979" y="2852937"/>
+            <a:ext cx="5947232" cy="3963831"/>
           </a:xfrm>
           <a:prstGeom prst="rect">
             <a:avLst/>
@@ -10261,68 +10387,6 @@
           <a:extLst/>
         </p:spPr>
       </p:pic>
-      <p:pic>
-        <p:nvPicPr>
-          <p:cNvPr id="7172" name="Picture 4" descr="Praia de Maracaípe: um bate-volta pertinho de Porto de ..."/>
-          <p:cNvPicPr>
-            <a:picLocks noChangeAspect="1" noChangeArrowheads="1"/>
-          </p:cNvPicPr>
-          <p:nvPr/>
-        </p:nvPicPr>
-        <p:blipFill>
-          <a:blip r:embed="rId3" cstate="print">
-            <a:extLst>
-              <a:ext uri="{28A0092B-C50C-407E-A947-70E740481C1C}">
-                <a14:useLocalDpi xmlns:a14="http://schemas.microsoft.com/office/drawing/2010/main" val="0"/>
-              </a:ext>
-            </a:extLst>
-          </a:blip>
-          <a:srcRect/>
-          <a:stretch>
-            <a:fillRect/>
-          </a:stretch>
-        </p:blipFill>
-        <p:spPr bwMode="auto">
-          <a:xfrm>
-            <a:off x="5903979" y="2852937"/>
-            <a:ext cx="5947232" cy="3963831"/>
-          </a:xfrm>
-          <a:prstGeom prst="rect">
-            <a:avLst/>
-          </a:prstGeom>
-          <a:solidFill>
-            <a:srgbClr val="FFFFFF">
-              <a:shade val="85000"/>
-            </a:srgbClr>
-          </a:solidFill>
-          <a:ln w="88900" cap="sq">
-            <a:solidFill>
-              <a:srgbClr val="FFFFFF"/>
-            </a:solidFill>
-            <a:miter lim="800000"/>
-          </a:ln>
-          <a:effectLst>
-            <a:outerShdw blurRad="55000" dist="18000" dir="5400000" algn="tl" rotWithShape="0">
-              <a:srgbClr val="000000">
-                <a:alpha val="40000"/>
-              </a:srgbClr>
-            </a:outerShdw>
-          </a:effectLst>
-          <a:scene3d>
-            <a:camera prst="orthographicFront"/>
-            <a:lightRig rig="twoPt" dir="t">
-              <a:rot lat="0" lon="0" rev="7200000"/>
-            </a:lightRig>
-          </a:scene3d>
-          <a:sp3d>
-            <a:bevelT w="25400" h="19050"/>
-            <a:contourClr>
-              <a:srgbClr val="FFFFFF"/>
-            </a:contourClr>
-          </a:sp3d>
-          <a:extLst/>
-        </p:spPr>
-      </p:pic>
       <p:sp>
         <p:nvSpPr>
           <p:cNvPr id="6" name="CaixaDeTexto 5"/>
@@ -10391,7 +10455,7 @@
 </p:sld>
 </file>
 
-<file path=ppt/slides/slide123.xml><?xml version="1.0" encoding="utf-8"?>
+<file path=ppt/slides/slide122.xml><?xml version="1.0" encoding="utf-8"?>
 <p:sld xmlns:a="http://schemas.openxmlformats.org/drawingml/2006/main" xmlns:r="http://schemas.openxmlformats.org/officeDocument/2006/relationships" xmlns:p="http://schemas.openxmlformats.org/presentationml/2006/main">
   <p:cSld>
     <p:spTree>
@@ -22721,7 +22785,7 @@
           <a:p>
             <a:r>
               <a:rPr lang="en-US" sz="2800" dirty="0" smtClean="0"/>
-              <a:t>Consider x = y = 2</a:t>
+              <a:t>Consider x = 2, y = -2</a:t>
             </a:r>
           </a:p>
           <a:p>
@@ -22733,7 +22797,7 @@
           <a:p>
             <a:r>
               <a:rPr lang="en-US" sz="2800" dirty="0" smtClean="0"/>
-              <a:t>So, pow should return 1 (note integer arithmetic)</a:t>
+              <a:t>So, pow should return 0 (note integer arithmetic)</a:t>
             </a:r>
           </a:p>
           <a:p>
@@ -23637,25 +23701,25 @@
           <a:lstStyle/>
           <a:p>
             <a:r>
-              <a:rPr lang="en-US" sz="2800" dirty="0" smtClean="0"/>
-              <a:t>Consider x = y = 2</a:t>
-            </a:r>
-          </a:p>
-          <a:p>
-            <a:r>
-              <a:rPr lang="en-US" sz="2800" dirty="0" smtClean="0"/>
+              <a:rPr lang="en-US" sz="2800" dirty="0"/>
+              <a:t>Consider x = 2, y = -2</a:t>
+            </a:r>
+          </a:p>
+          <a:p>
+            <a:r>
+              <a:rPr lang="en-US" sz="2800" dirty="0"/>
               <a:t>2^-2 = 1/(2^2) = 1/4 </a:t>
             </a:r>
           </a:p>
           <a:p>
             <a:r>
-              <a:rPr lang="en-US" sz="2800" dirty="0" smtClean="0"/>
-              <a:t>So, pow should return 1 (note integer arithmetic)</a:t>
-            </a:r>
-          </a:p>
-          <a:p>
-            <a:r>
-              <a:rPr lang="en-US" sz="2800" dirty="0" smtClean="0"/>
+              <a:rPr lang="en-US" sz="2800" dirty="0"/>
+              <a:t>So, pow should return 0 (note integer arithmetic)</a:t>
+            </a:r>
+          </a:p>
+          <a:p>
+            <a:r>
+              <a:rPr lang="en-US" sz="2800" dirty="0"/>
               <a:t>Instead, it returns 1 * 2 = 2</a:t>
             </a:r>
           </a:p>
@@ -44565,7 +44629,7 @@
                 </a:solidFill>
                 <a:latin typeface="Calibri Light"/>
               </a:rPr>
-              <a:t>Exercise 2</a:t>
+              <a:t>(Take Home) Exercise</a:t>
             </a:r>
             <a:endParaRPr lang="en-US" sz="4400" b="0" strike="noStrike" spc="-1" dirty="0">
               <a:solidFill>

--- a/testing-minicourse.pptx
+++ b/testing-minicourse.pptx
@@ -316,7 +316,7 @@
           <a:p>
             <a:fld id="{68968EDA-F8C6-44E3-930E-3FEA8FAFB67E}" type="datetimeFigureOut">
               <a:rPr lang="en-US" smtClean="0"/>
-              <a:t>18-Feb-20</a:t>
+              <a:t>19-Feb-20</a:t>
             </a:fld>
             <a:endParaRPr lang="en-US"/>
           </a:p>
@@ -481,7 +481,7 @@
           <a:p>
             <a:fld id="{1D1CAD2C-8B99-45DC-98DC-0BEB43C75A54}" type="datetimeFigureOut">
               <a:rPr lang="en-US" smtClean="0"/>
-              <a:t>18-Feb-20</a:t>
+              <a:t>19-Feb-20</a:t>
             </a:fld>
             <a:endParaRPr lang="en-US"/>
           </a:p>
@@ -4077,7 +4077,6 @@
               <a:rPr lang="pt-BR" dirty="0"/>
               <a:t> Posts</a:t>
             </a:r>
-            <a:endParaRPr lang="pt-BR" dirty="0"/>
           </a:p>
         </p:txBody>
       </p:sp>
@@ -4693,12 +4692,6 @@
               </a:rPr>
               <a:t>Found over 50 bugs across 4 main JS engines</a:t>
             </a:r>
-            <a:endParaRPr lang="en-US" sz="2800" kern="0" dirty="0" smtClean="0">
-              <a:solidFill>
-                <a:sysClr val="windowText" lastClr="000000"/>
-              </a:solidFill>
-              <a:latin typeface="+mj-lt"/>
-            </a:endParaRPr>
           </a:p>
           <a:p>
             <a:endParaRPr lang="pt-BR" kern="0" dirty="0" smtClean="0">
@@ -4949,12 +4942,6 @@
               </a:rPr>
               <a:t>Approach: use ML to learn patterns from large base of previously found flaky tests</a:t>
             </a:r>
-            <a:endParaRPr lang="en-US" sz="2800" kern="0" dirty="0" smtClean="0">
-              <a:solidFill>
-                <a:sysClr val="windowText" lastClr="000000"/>
-              </a:solidFill>
-              <a:latin typeface="+mj-lt"/>
-            </a:endParaRPr>
           </a:p>
           <a:p>
             <a:endParaRPr lang="pt-BR" kern="0" dirty="0" smtClean="0">
@@ -7185,38 +7172,42 @@
           <a:lstStyle/>
           <a:p>
             <a:r>
-              <a:rPr lang="en-US" sz="2400" dirty="0" smtClean="0"/>
-              <a:t>With 5 other programs, </a:t>
-            </a:r>
-            <a:r>
               <a:rPr lang="en-US" sz="2400" dirty="0" err="1" smtClean="0"/>
               <a:t>CIn</a:t>
             </a:r>
             <a:r>
               <a:rPr lang="en-US" sz="2400" dirty="0" smtClean="0"/>
-              <a:t>-UFPE holds the highest classification of a PhD program in Brazil (7/7).</a:t>
-            </a:r>
-          </a:p>
-          <a:p>
+              <a:t>-UFPE holds (w</a:t>
+            </a:r>
             <a:r>
               <a:rPr lang="en-US" sz="2400" dirty="0" smtClean="0"/>
-              <a:t>According </a:t>
+              <a:t>ith </a:t>
             </a:r>
             <a:r>
               <a:rPr lang="en-US" sz="2400" dirty="0"/>
-              <a:t>to </a:t>
+              <a:t>5 other </a:t>
             </a:r>
             <a:r>
               <a:rPr lang="en-US" sz="2400" dirty="0" smtClean="0"/>
-              <a:t>csindexbr.org </a:t>
-            </a:r>
+              <a:t>programs) the </a:t>
+            </a:r>
+            <a:r>
+              <a:rPr lang="en-US" sz="2400" dirty="0" smtClean="0"/>
+              <a:t>highest classification of a PhD program in Brazil (7/7).</a:t>
+            </a:r>
+          </a:p>
+          <a:p>
             <a:r>
               <a:rPr lang="en-US" sz="2400" dirty="0" err="1" smtClean="0"/>
               <a:t>CIn</a:t>
             </a:r>
             <a:r>
               <a:rPr lang="en-US" sz="2400" dirty="0" smtClean="0"/>
-              <a:t>-UFPE is 1</a:t>
+              <a:t>-UFPE </a:t>
+            </a:r>
+            <a:r>
+              <a:rPr lang="en-US" sz="2400" dirty="0" smtClean="0"/>
+              <a:t>is 1</a:t>
             </a:r>
             <a:r>
               <a:rPr lang="en-US" sz="2400" baseline="30000" dirty="0" smtClean="0"/>
@@ -7224,17 +7215,33 @@
             </a:r>
             <a:r>
               <a:rPr lang="en-US" sz="2400" dirty="0" smtClean="0"/>
-              <a:t> in number of *selected* publications in the area of SE.</a:t>
-            </a:r>
-          </a:p>
-          <a:p>
+              <a:t> in number of *selected* publications </a:t>
+            </a:r>
             <a:r>
               <a:rPr lang="en-US" sz="2400" dirty="0" smtClean="0"/>
-              <a:t>~</a:t>
+              <a:t>(as of csindexbr.org</a:t>
+            </a:r>
+            <a:r>
+              <a:rPr lang="en-US" sz="2400" dirty="0" smtClean="0"/>
+              <a:t>) in </a:t>
+            </a:r>
+            <a:r>
+              <a:rPr lang="en-US" sz="2400" dirty="0" smtClean="0"/>
+              <a:t>the area of </a:t>
+            </a:r>
+            <a:r>
+              <a:rPr lang="en-US" sz="2400" dirty="0" smtClean="0"/>
+              <a:t>SE.</a:t>
+            </a:r>
+          </a:p>
+          <a:p>
+            <a:r>
+              <a:rPr lang="en-US" sz="2400" dirty="0" smtClean="0"/>
+              <a:t>~90 </a:t>
             </a:r>
             <a:r>
               <a:rPr lang="en-US" sz="2400" dirty="0"/>
-              <a:t>90 faculty, ~10 faculty in SE, 6 SE faculty in </a:t>
+              <a:t>faculty, ~10 faculty in SE, 6 SE faculty in </a:t>
             </a:r>
             <a:r>
               <a:rPr lang="en-US" sz="2400" dirty="0" smtClean="0"/>
@@ -7440,7 +7447,17 @@
                 <a:latin typeface="Calibri" panose="020F0502020204030204" pitchFamily="34" charset="0"/>
                 <a:cs typeface="Calibri" panose="020F0502020204030204" pitchFamily="34" charset="0"/>
               </a:rPr>
-              <a:t>Faculty offices, undergrad labs, and facilities of partners (Apple, Samsung, Motorola, and OKI).</a:t>
+              <a:t>Faculty offices, undergrad labs, and facilities of </a:t>
+            </a:r>
+            <a:r>
+              <a:rPr lang="en-US" sz="2800" spc="-1" dirty="0" smtClean="0">
+                <a:solidFill>
+                  <a:srgbClr val="000000"/>
+                </a:solidFill>
+                <a:latin typeface="Calibri" panose="020F0502020204030204" pitchFamily="34" charset="0"/>
+                <a:cs typeface="Calibri" panose="020F0502020204030204" pitchFamily="34" charset="0"/>
+              </a:rPr>
+              <a:t>industry partners.</a:t>
             </a:r>
             <a:endParaRPr lang="en-US" sz="2800" b="0" strike="noStrike" spc="-1" dirty="0">
               <a:latin typeface="Calibri" panose="020F0502020204030204" pitchFamily="34" charset="0"/>
@@ -8992,15 +9009,7 @@
           <a:p>
             <a:r>
               <a:rPr lang="en-US" dirty="0" smtClean="0"/>
-              <a:t>~2 million people </a:t>
-            </a:r>
-            <a:r>
-              <a:rPr lang="en-US" dirty="0" smtClean="0"/>
-              <a:t>(metropolitan </a:t>
-            </a:r>
-            <a:r>
-              <a:rPr lang="en-US" dirty="0" smtClean="0"/>
-              <a:t>area)</a:t>
+              <a:t>~2 million people (metropolitan area)</a:t>
             </a:r>
           </a:p>
           <a:p>
@@ -48278,34 +48287,18 @@
               <a:buChar char="•"/>
             </a:pPr>
             <a:r>
-              <a:rPr lang="en-US" sz="2800" b="0" strike="noStrike" spc="-1" dirty="0" smtClean="0">
-                <a:latin typeface="Calibri" panose="020F0502020204030204" pitchFamily="34" charset="0"/>
-                <a:cs typeface="Calibri" panose="020F0502020204030204" pitchFamily="34" charset="0"/>
-              </a:rPr>
-              <a:t>Cite one benefit of using autom</a:t>
-            </a:r>
-            <a:r>
               <a:rPr lang="en-US" sz="2800" spc="-1" dirty="0" smtClean="0">
                 <a:latin typeface="Calibri" panose="020F0502020204030204" pitchFamily="34" charset="0"/>
                 <a:cs typeface="Calibri" panose="020F0502020204030204" pitchFamily="34" charset="0"/>
               </a:rPr>
-              <a:t>ated tests?</a:t>
-            </a:r>
-          </a:p>
-          <a:p>
-            <a:pPr marL="457200" indent="-457200">
-              <a:lnSpc>
-                <a:spcPct val="115000"/>
-              </a:lnSpc>
-              <a:buFont typeface="Arial" panose="020B0604020202020204" pitchFamily="34" charset="0"/>
-              <a:buChar char="•"/>
-            </a:pPr>
+              <a:t>Why </a:t>
+            </a:r>
             <a:r>
               <a:rPr lang="en-US" sz="2800" spc="-1" dirty="0" smtClean="0">
                 <a:latin typeface="Calibri" panose="020F0502020204030204" pitchFamily="34" charset="0"/>
                 <a:cs typeface="Calibri" panose="020F0502020204030204" pitchFamily="34" charset="0"/>
               </a:rPr>
-              <a:t>Why UI tests can be problematic to maintain?</a:t>
+              <a:t>UI tests can be problematic to maintain?</a:t>
             </a:r>
           </a:p>
           <a:p>
